--- a/doc/10.スナップアルゴリズム.pptx
+++ b/doc/10.スナップアルゴリズム.pptx
@@ -4,15 +4,19 @@
   <p:sldMasterIdLst>
     <p:sldMasterId id="2147483648" r:id="rId1"/>
   </p:sldMasterIdLst>
+  <p:notesMasterIdLst>
+    <p:notesMasterId r:id="rId11"/>
+  </p:notesMasterIdLst>
   <p:sldIdLst>
     <p:sldId id="256" r:id="rId2"/>
     <p:sldId id="258" r:id="rId3"/>
     <p:sldId id="259" r:id="rId4"/>
     <p:sldId id="263" r:id="rId5"/>
     <p:sldId id="257" r:id="rId6"/>
-    <p:sldId id="260" r:id="rId7"/>
-    <p:sldId id="262" r:id="rId8"/>
-    <p:sldId id="261" r:id="rId9"/>
+    <p:sldId id="264" r:id="rId7"/>
+    <p:sldId id="260" r:id="rId8"/>
+    <p:sldId id="262" r:id="rId9"/>
+    <p:sldId id="261" r:id="rId10"/>
   </p:sldIdLst>
   <p:sldSz cx="9144000" cy="6858000" type="screen4x3"/>
   <p:notesSz cx="6858000" cy="9144000"/>
@@ -114,6 +118,440 @@
 </p:presentation>
 </file>
 
+<file path=ppt/notesMasters/notesMaster1.xml><?xml version="1.0" encoding="utf-8"?>
+<p:notesMaster xmlns:a="http://schemas.openxmlformats.org/drawingml/2006/main" xmlns:r="http://schemas.openxmlformats.org/officeDocument/2006/relationships" xmlns:p="http://schemas.openxmlformats.org/presentationml/2006/main">
+  <p:cSld>
+    <p:bg>
+      <p:bgRef idx="1001">
+        <a:schemeClr val="bg1"/>
+      </p:bgRef>
+    </p:bg>
+    <p:spTree>
+      <p:nvGrpSpPr>
+        <p:cNvPr id="1" name=""/>
+        <p:cNvGrpSpPr/>
+        <p:nvPr/>
+      </p:nvGrpSpPr>
+      <p:grpSpPr>
+        <a:xfrm>
+          <a:off x="0" y="0"/>
+          <a:ext cx="0" cy="0"/>
+          <a:chOff x="0" y="0"/>
+          <a:chExt cx="0" cy="0"/>
+        </a:xfrm>
+      </p:grpSpPr>
+      <p:sp>
+        <p:nvSpPr>
+          <p:cNvPr id="2" name="Header Placeholder 1"/>
+          <p:cNvSpPr>
+            <a:spLocks noGrp="1"/>
+          </p:cNvSpPr>
+          <p:nvPr>
+            <p:ph type="hdr" sz="quarter"/>
+          </p:nvPr>
+        </p:nvSpPr>
+        <p:spPr>
+          <a:xfrm>
+            <a:off x="0" y="0"/>
+            <a:ext cx="2971800" cy="457200"/>
+          </a:xfrm>
+          <a:prstGeom prst="rect">
+            <a:avLst/>
+          </a:prstGeom>
+        </p:spPr>
+        <p:txBody>
+          <a:bodyPr vert="horz" lIns="91440" tIns="45720" rIns="91440" bIns="45720" rtlCol="0"/>
+          <a:lstStyle>
+            <a:lvl1pPr algn="l">
+              <a:defRPr sz="1200"/>
+            </a:lvl1pPr>
+          </a:lstStyle>
+          <a:p>
+            <a:endParaRPr lang="en-US"/>
+          </a:p>
+        </p:txBody>
+      </p:sp>
+      <p:sp>
+        <p:nvSpPr>
+          <p:cNvPr id="3" name="Date Placeholder 2"/>
+          <p:cNvSpPr>
+            <a:spLocks noGrp="1"/>
+          </p:cNvSpPr>
+          <p:nvPr>
+            <p:ph type="dt" idx="1"/>
+          </p:nvPr>
+        </p:nvSpPr>
+        <p:spPr>
+          <a:xfrm>
+            <a:off x="3884613" y="0"/>
+            <a:ext cx="2971800" cy="457200"/>
+          </a:xfrm>
+          <a:prstGeom prst="rect">
+            <a:avLst/>
+          </a:prstGeom>
+        </p:spPr>
+        <p:txBody>
+          <a:bodyPr vert="horz" lIns="91440" tIns="45720" rIns="91440" bIns="45720" rtlCol="0"/>
+          <a:lstStyle>
+            <a:lvl1pPr algn="r">
+              <a:defRPr sz="1200"/>
+            </a:lvl1pPr>
+          </a:lstStyle>
+          <a:p>
+            <a:fld id="{12AC50AE-50BE-46E0-B0CE-EFADDADB4DFA}" type="datetimeFigureOut">
+              <a:rPr lang="en-US" smtClean="0"/>
+              <a:t>3/20/2014</a:t>
+            </a:fld>
+            <a:endParaRPr lang="en-US"/>
+          </a:p>
+        </p:txBody>
+      </p:sp>
+      <p:sp>
+        <p:nvSpPr>
+          <p:cNvPr id="4" name="Slide Image Placeholder 3"/>
+          <p:cNvSpPr>
+            <a:spLocks noGrp="1" noRot="1" noChangeAspect="1"/>
+          </p:cNvSpPr>
+          <p:nvPr>
+            <p:ph type="sldImg" idx="2"/>
+          </p:nvPr>
+        </p:nvSpPr>
+        <p:spPr>
+          <a:xfrm>
+            <a:off x="1143000" y="685800"/>
+            <a:ext cx="4572000" cy="3429000"/>
+          </a:xfrm>
+          <a:prstGeom prst="rect">
+            <a:avLst/>
+          </a:prstGeom>
+          <a:noFill/>
+          <a:ln w="12700">
+            <a:solidFill>
+              <a:prstClr val="black"/>
+            </a:solidFill>
+          </a:ln>
+        </p:spPr>
+        <p:txBody>
+          <a:bodyPr vert="horz" lIns="91440" tIns="45720" rIns="91440" bIns="45720" rtlCol="0" anchor="ctr"/>
+          <a:lstStyle/>
+          <a:p>
+            <a:endParaRPr lang="en-US"/>
+          </a:p>
+        </p:txBody>
+      </p:sp>
+      <p:sp>
+        <p:nvSpPr>
+          <p:cNvPr id="5" name="Notes Placeholder 4"/>
+          <p:cNvSpPr>
+            <a:spLocks noGrp="1"/>
+          </p:cNvSpPr>
+          <p:nvPr>
+            <p:ph type="body" sz="quarter" idx="3"/>
+          </p:nvPr>
+        </p:nvSpPr>
+        <p:spPr>
+          <a:xfrm>
+            <a:off x="685800" y="4343400"/>
+            <a:ext cx="5486400" cy="4114800"/>
+          </a:xfrm>
+          <a:prstGeom prst="rect">
+            <a:avLst/>
+          </a:prstGeom>
+        </p:spPr>
+        <p:txBody>
+          <a:bodyPr vert="horz" lIns="91440" tIns="45720" rIns="91440" bIns="45720" rtlCol="0"/>
+          <a:lstStyle/>
+          <a:p>
+            <a:pPr lvl="0"/>
+            <a:r>
+              <a:rPr lang="en-US" smtClean="0"/>
+              <a:t>Click to edit Master text styles</a:t>
+            </a:r>
+          </a:p>
+          <a:p>
+            <a:pPr lvl="1"/>
+            <a:r>
+              <a:rPr lang="en-US" smtClean="0"/>
+              <a:t>Second level</a:t>
+            </a:r>
+          </a:p>
+          <a:p>
+            <a:pPr lvl="2"/>
+            <a:r>
+              <a:rPr lang="en-US" smtClean="0"/>
+              <a:t>Third level</a:t>
+            </a:r>
+          </a:p>
+          <a:p>
+            <a:pPr lvl="3"/>
+            <a:r>
+              <a:rPr lang="en-US" smtClean="0"/>
+              <a:t>Fourth level</a:t>
+            </a:r>
+          </a:p>
+          <a:p>
+            <a:pPr lvl="4"/>
+            <a:r>
+              <a:rPr lang="en-US" smtClean="0"/>
+              <a:t>Fifth level</a:t>
+            </a:r>
+            <a:endParaRPr lang="en-US"/>
+          </a:p>
+        </p:txBody>
+      </p:sp>
+      <p:sp>
+        <p:nvSpPr>
+          <p:cNvPr id="6" name="Footer Placeholder 5"/>
+          <p:cNvSpPr>
+            <a:spLocks noGrp="1"/>
+          </p:cNvSpPr>
+          <p:nvPr>
+            <p:ph type="ftr" sz="quarter" idx="4"/>
+          </p:nvPr>
+        </p:nvSpPr>
+        <p:spPr>
+          <a:xfrm>
+            <a:off x="0" y="8685213"/>
+            <a:ext cx="2971800" cy="457200"/>
+          </a:xfrm>
+          <a:prstGeom prst="rect">
+            <a:avLst/>
+          </a:prstGeom>
+        </p:spPr>
+        <p:txBody>
+          <a:bodyPr vert="horz" lIns="91440" tIns="45720" rIns="91440" bIns="45720" rtlCol="0" anchor="b"/>
+          <a:lstStyle>
+            <a:lvl1pPr algn="l">
+              <a:defRPr sz="1200"/>
+            </a:lvl1pPr>
+          </a:lstStyle>
+          <a:p>
+            <a:endParaRPr lang="en-US"/>
+          </a:p>
+        </p:txBody>
+      </p:sp>
+      <p:sp>
+        <p:nvSpPr>
+          <p:cNvPr id="7" name="Slide Number Placeholder 6"/>
+          <p:cNvSpPr>
+            <a:spLocks noGrp="1"/>
+          </p:cNvSpPr>
+          <p:nvPr>
+            <p:ph type="sldNum" sz="quarter" idx="5"/>
+          </p:nvPr>
+        </p:nvSpPr>
+        <p:spPr>
+          <a:xfrm>
+            <a:off x="3884613" y="8685213"/>
+            <a:ext cx="2971800" cy="457200"/>
+          </a:xfrm>
+          <a:prstGeom prst="rect">
+            <a:avLst/>
+          </a:prstGeom>
+        </p:spPr>
+        <p:txBody>
+          <a:bodyPr vert="horz" lIns="91440" tIns="45720" rIns="91440" bIns="45720" rtlCol="0" anchor="b"/>
+          <a:lstStyle>
+            <a:lvl1pPr algn="r">
+              <a:defRPr sz="1200"/>
+            </a:lvl1pPr>
+          </a:lstStyle>
+          <a:p>
+            <a:fld id="{07BB5E82-9A81-4A32-8BC1-FFB04C7453BD}" type="slidenum">
+              <a:rPr lang="en-US" smtClean="0"/>
+              <a:t>‹#›</a:t>
+            </a:fld>
+            <a:endParaRPr lang="en-US"/>
+          </a:p>
+        </p:txBody>
+      </p:sp>
+    </p:spTree>
+    <p:extLst>
+      <p:ext uri="{BB962C8B-B14F-4D97-AF65-F5344CB8AC3E}">
+        <p14:creationId xmlns:p14="http://schemas.microsoft.com/office/powerpoint/2010/main" val="3195174611"/>
+      </p:ext>
+    </p:extLst>
+  </p:cSld>
+  <p:clrMap bg1="lt1" tx1="dk1" bg2="lt2" tx2="dk2" accent1="accent1" accent2="accent2" accent3="accent3" accent4="accent4" accent5="accent5" accent6="accent6" hlink="hlink" folHlink="folHlink"/>
+  <p:notesStyle>
+    <a:lvl1pPr marL="0" algn="l" defTabSz="914400" rtl="0" eaLnBrk="1" latinLnBrk="0" hangingPunct="1">
+      <a:defRPr sz="1200" kern="1200">
+        <a:solidFill>
+          <a:schemeClr val="tx1"/>
+        </a:solidFill>
+        <a:latin typeface="+mn-lt"/>
+        <a:ea typeface="+mn-ea"/>
+        <a:cs typeface="+mn-cs"/>
+      </a:defRPr>
+    </a:lvl1pPr>
+    <a:lvl2pPr marL="457200" algn="l" defTabSz="914400" rtl="0" eaLnBrk="1" latinLnBrk="0" hangingPunct="1">
+      <a:defRPr sz="1200" kern="1200">
+        <a:solidFill>
+          <a:schemeClr val="tx1"/>
+        </a:solidFill>
+        <a:latin typeface="+mn-lt"/>
+        <a:ea typeface="+mn-ea"/>
+        <a:cs typeface="+mn-cs"/>
+      </a:defRPr>
+    </a:lvl2pPr>
+    <a:lvl3pPr marL="914400" algn="l" defTabSz="914400" rtl="0" eaLnBrk="1" latinLnBrk="0" hangingPunct="1">
+      <a:defRPr sz="1200" kern="1200">
+        <a:solidFill>
+          <a:schemeClr val="tx1"/>
+        </a:solidFill>
+        <a:latin typeface="+mn-lt"/>
+        <a:ea typeface="+mn-ea"/>
+        <a:cs typeface="+mn-cs"/>
+      </a:defRPr>
+    </a:lvl3pPr>
+    <a:lvl4pPr marL="1371600" algn="l" defTabSz="914400" rtl="0" eaLnBrk="1" latinLnBrk="0" hangingPunct="1">
+      <a:defRPr sz="1200" kern="1200">
+        <a:solidFill>
+          <a:schemeClr val="tx1"/>
+        </a:solidFill>
+        <a:latin typeface="+mn-lt"/>
+        <a:ea typeface="+mn-ea"/>
+        <a:cs typeface="+mn-cs"/>
+      </a:defRPr>
+    </a:lvl4pPr>
+    <a:lvl5pPr marL="1828800" algn="l" defTabSz="914400" rtl="0" eaLnBrk="1" latinLnBrk="0" hangingPunct="1">
+      <a:defRPr sz="1200" kern="1200">
+        <a:solidFill>
+          <a:schemeClr val="tx1"/>
+        </a:solidFill>
+        <a:latin typeface="+mn-lt"/>
+        <a:ea typeface="+mn-ea"/>
+        <a:cs typeface="+mn-cs"/>
+      </a:defRPr>
+    </a:lvl5pPr>
+    <a:lvl6pPr marL="2286000" algn="l" defTabSz="914400" rtl="0" eaLnBrk="1" latinLnBrk="0" hangingPunct="1">
+      <a:defRPr sz="1200" kern="1200">
+        <a:solidFill>
+          <a:schemeClr val="tx1"/>
+        </a:solidFill>
+        <a:latin typeface="+mn-lt"/>
+        <a:ea typeface="+mn-ea"/>
+        <a:cs typeface="+mn-cs"/>
+      </a:defRPr>
+    </a:lvl6pPr>
+    <a:lvl7pPr marL="2743200" algn="l" defTabSz="914400" rtl="0" eaLnBrk="1" latinLnBrk="0" hangingPunct="1">
+      <a:defRPr sz="1200" kern="1200">
+        <a:solidFill>
+          <a:schemeClr val="tx1"/>
+        </a:solidFill>
+        <a:latin typeface="+mn-lt"/>
+        <a:ea typeface="+mn-ea"/>
+        <a:cs typeface="+mn-cs"/>
+      </a:defRPr>
+    </a:lvl7pPr>
+    <a:lvl8pPr marL="3200400" algn="l" defTabSz="914400" rtl="0" eaLnBrk="1" latinLnBrk="0" hangingPunct="1">
+      <a:defRPr sz="1200" kern="1200">
+        <a:solidFill>
+          <a:schemeClr val="tx1"/>
+        </a:solidFill>
+        <a:latin typeface="+mn-lt"/>
+        <a:ea typeface="+mn-ea"/>
+        <a:cs typeface="+mn-cs"/>
+      </a:defRPr>
+    </a:lvl8pPr>
+    <a:lvl9pPr marL="3657600" algn="l" defTabSz="914400" rtl="0" eaLnBrk="1" latinLnBrk="0" hangingPunct="1">
+      <a:defRPr sz="1200" kern="1200">
+        <a:solidFill>
+          <a:schemeClr val="tx1"/>
+        </a:solidFill>
+        <a:latin typeface="+mn-lt"/>
+        <a:ea typeface="+mn-ea"/>
+        <a:cs typeface="+mn-cs"/>
+      </a:defRPr>
+    </a:lvl9pPr>
+  </p:notesStyle>
+</p:notesMaster>
+</file>
+
+<file path=ppt/notesSlides/notesSlide1.xml><?xml version="1.0" encoding="utf-8"?>
+<p:notes xmlns:a="http://schemas.openxmlformats.org/drawingml/2006/main" xmlns:r="http://schemas.openxmlformats.org/officeDocument/2006/relationships" xmlns:p="http://schemas.openxmlformats.org/presentationml/2006/main">
+  <p:cSld>
+    <p:spTree>
+      <p:nvGrpSpPr>
+        <p:cNvPr id="1" name=""/>
+        <p:cNvGrpSpPr/>
+        <p:nvPr/>
+      </p:nvGrpSpPr>
+      <p:grpSpPr>
+        <a:xfrm>
+          <a:off x="0" y="0"/>
+          <a:ext cx="0" cy="0"/>
+          <a:chOff x="0" y="0"/>
+          <a:chExt cx="0" cy="0"/>
+        </a:xfrm>
+      </p:grpSpPr>
+      <p:sp>
+        <p:nvSpPr>
+          <p:cNvPr id="2" name="Slide Image Placeholder 1"/>
+          <p:cNvSpPr>
+            <a:spLocks noGrp="1" noRot="1" noChangeAspect="1"/>
+          </p:cNvSpPr>
+          <p:nvPr>
+            <p:ph type="sldImg"/>
+          </p:nvPr>
+        </p:nvSpPr>
+        <p:spPr/>
+      </p:sp>
+      <p:sp>
+        <p:nvSpPr>
+          <p:cNvPr id="3" name="Notes Placeholder 2"/>
+          <p:cNvSpPr>
+            <a:spLocks noGrp="1"/>
+          </p:cNvSpPr>
+          <p:nvPr>
+            <p:ph type="body" idx="1"/>
+          </p:nvPr>
+        </p:nvSpPr>
+        <p:spPr/>
+        <p:txBody>
+          <a:bodyPr/>
+          <a:lstStyle/>
+          <a:p>
+            <a:endParaRPr lang="en-US" dirty="0"/>
+          </a:p>
+        </p:txBody>
+      </p:sp>
+      <p:sp>
+        <p:nvSpPr>
+          <p:cNvPr id="4" name="Slide Number Placeholder 3"/>
+          <p:cNvSpPr>
+            <a:spLocks noGrp="1"/>
+          </p:cNvSpPr>
+          <p:nvPr>
+            <p:ph type="sldNum" sz="quarter" idx="10"/>
+          </p:nvPr>
+        </p:nvSpPr>
+        <p:spPr/>
+        <p:txBody>
+          <a:bodyPr/>
+          <a:lstStyle/>
+          <a:p>
+            <a:fld id="{07BB5E82-9A81-4A32-8BC1-FFB04C7453BD}" type="slidenum">
+              <a:rPr lang="en-US" smtClean="0"/>
+              <a:t>6</a:t>
+            </a:fld>
+            <a:endParaRPr lang="en-US"/>
+          </a:p>
+        </p:txBody>
+      </p:sp>
+    </p:spTree>
+    <p:extLst>
+      <p:ext uri="{BB962C8B-B14F-4D97-AF65-F5344CB8AC3E}">
+        <p14:creationId xmlns:p14="http://schemas.microsoft.com/office/powerpoint/2010/main" val="3762718573"/>
+      </p:ext>
+    </p:extLst>
+  </p:cSld>
+  <p:clrMapOvr>
+    <a:masterClrMapping/>
+  </p:clrMapOvr>
+</p:notes>
+</file>
+
 <file path=ppt/slideLayouts/slideLayout1.xml><?xml version="1.0" encoding="utf-8"?>
 <p:sldLayout xmlns:a="http://schemas.openxmlformats.org/drawingml/2006/main" xmlns:r="http://schemas.openxmlformats.org/officeDocument/2006/relationships" xmlns:p="http://schemas.openxmlformats.org/presentationml/2006/main" type="title" preserve="1">
   <p:cSld name="Title Slide">
@@ -296,7 +734,7 @@
             <a:fld id="{1D8BD707-D9CF-40AE-B4C6-C98DA3205C09}" type="datetimeFigureOut">
               <a:rPr lang="en-US" smtClean="0"/>
               <a:pPr/>
-              <a:t>3/7/2014</a:t>
+              <a:t>3/20/2014</a:t>
             </a:fld>
             <a:endParaRPr lang="en-US"/>
           </a:p>
@@ -463,7 +901,7 @@
             <a:fld id="{1D8BD707-D9CF-40AE-B4C6-C98DA3205C09}" type="datetimeFigureOut">
               <a:rPr lang="en-US" smtClean="0"/>
               <a:pPr/>
-              <a:t>3/7/2014</a:t>
+              <a:t>3/20/2014</a:t>
             </a:fld>
             <a:endParaRPr lang="en-US"/>
           </a:p>
@@ -640,7 +1078,7 @@
             <a:fld id="{1D8BD707-D9CF-40AE-B4C6-C98DA3205C09}" type="datetimeFigureOut">
               <a:rPr lang="en-US" smtClean="0"/>
               <a:pPr/>
-              <a:t>3/7/2014</a:t>
+              <a:t>3/20/2014</a:t>
             </a:fld>
             <a:endParaRPr lang="en-US"/>
           </a:p>
@@ -807,7 +1245,7 @@
             <a:fld id="{1D8BD707-D9CF-40AE-B4C6-C98DA3205C09}" type="datetimeFigureOut">
               <a:rPr lang="en-US" smtClean="0"/>
               <a:pPr/>
-              <a:t>3/7/2014</a:t>
+              <a:t>3/20/2014</a:t>
             </a:fld>
             <a:endParaRPr lang="en-US"/>
           </a:p>
@@ -1050,7 +1488,7 @@
             <a:fld id="{1D8BD707-D9CF-40AE-B4C6-C98DA3205C09}" type="datetimeFigureOut">
               <a:rPr lang="en-US" smtClean="0"/>
               <a:pPr/>
-              <a:t>3/7/2014</a:t>
+              <a:t>3/20/2014</a:t>
             </a:fld>
             <a:endParaRPr lang="en-US"/>
           </a:p>
@@ -1335,7 +1773,7 @@
             <a:fld id="{1D8BD707-D9CF-40AE-B4C6-C98DA3205C09}" type="datetimeFigureOut">
               <a:rPr lang="en-US" smtClean="0"/>
               <a:pPr/>
-              <a:t>3/7/2014</a:t>
+              <a:t>3/20/2014</a:t>
             </a:fld>
             <a:endParaRPr lang="en-US"/>
           </a:p>
@@ -1754,7 +2192,7 @@
             <a:fld id="{1D8BD707-D9CF-40AE-B4C6-C98DA3205C09}" type="datetimeFigureOut">
               <a:rPr lang="en-US" smtClean="0"/>
               <a:pPr/>
-              <a:t>3/7/2014</a:t>
+              <a:t>3/20/2014</a:t>
             </a:fld>
             <a:endParaRPr lang="en-US"/>
           </a:p>
@@ -1869,7 +2307,7 @@
             <a:fld id="{1D8BD707-D9CF-40AE-B4C6-C98DA3205C09}" type="datetimeFigureOut">
               <a:rPr lang="en-US" smtClean="0"/>
               <a:pPr/>
-              <a:t>3/7/2014</a:t>
+              <a:t>3/20/2014</a:t>
             </a:fld>
             <a:endParaRPr lang="en-US"/>
           </a:p>
@@ -1961,7 +2399,7 @@
             <a:fld id="{1D8BD707-D9CF-40AE-B4C6-C98DA3205C09}" type="datetimeFigureOut">
               <a:rPr lang="en-US" smtClean="0"/>
               <a:pPr/>
-              <a:t>3/7/2014</a:t>
+              <a:t>3/20/2014</a:t>
             </a:fld>
             <a:endParaRPr lang="en-US"/>
           </a:p>
@@ -2235,7 +2673,7 @@
             <a:fld id="{1D8BD707-D9CF-40AE-B4C6-C98DA3205C09}" type="datetimeFigureOut">
               <a:rPr lang="en-US" smtClean="0"/>
               <a:pPr/>
-              <a:t>3/7/2014</a:t>
+              <a:t>3/20/2014</a:t>
             </a:fld>
             <a:endParaRPr lang="en-US"/>
           </a:p>
@@ -2485,7 +2923,7 @@
             <a:fld id="{1D8BD707-D9CF-40AE-B4C6-C98DA3205C09}" type="datetimeFigureOut">
               <a:rPr lang="en-US" smtClean="0"/>
               <a:pPr/>
-              <a:t>3/7/2014</a:t>
+              <a:t>3/20/2014</a:t>
             </a:fld>
             <a:endParaRPr lang="en-US"/>
           </a:p>
@@ -2695,7 +3133,7 @@
             <a:fld id="{1D8BD707-D9CF-40AE-B4C6-C98DA3205C09}" type="datetimeFigureOut">
               <a:rPr lang="en-US" smtClean="0"/>
               <a:pPr/>
-              <a:t>3/7/2014</a:t>
+              <a:t>3/20/2014</a:t>
             </a:fld>
             <a:endParaRPr lang="en-US"/>
           </a:p>
@@ -3324,8 +3762,8 @@
           </a:p>
         </p:txBody>
       </p:sp>
-      <mc:AlternateContent xmlns:mc="http://schemas.openxmlformats.org/markup-compatibility/2006">
-        <mc:Choice xmlns:a14="http://schemas.microsoft.com/office/drawing/2010/main" Requires="a14">
+      <mc:AlternateContent xmlns:mc="http://schemas.openxmlformats.org/markup-compatibility/2006" xmlns:a14="http://schemas.microsoft.com/office/drawing/2010/main">
+        <mc:Choice Requires="a14">
           <p:sp>
             <p:nvSpPr>
               <p:cNvPr id="7" name="TextBox 6"/>
@@ -3370,7 +3808,7 @@
             </p:txBody>
           </p:sp>
         </mc:Choice>
-        <mc:Fallback>
+        <mc:Fallback xmlns="">
           <p:sp>
             <p:nvSpPr>
               <p:cNvPr id="7" name="TextBox 6"/>
@@ -3409,8 +3847,8 @@
           </p:sp>
         </mc:Fallback>
       </mc:AlternateContent>
-      <mc:AlternateContent xmlns:mc="http://schemas.openxmlformats.org/markup-compatibility/2006">
-        <mc:Choice xmlns:a14="http://schemas.microsoft.com/office/drawing/2010/main" Requires="a14">
+      <mc:AlternateContent xmlns:mc="http://schemas.openxmlformats.org/markup-compatibility/2006" xmlns:a14="http://schemas.microsoft.com/office/drawing/2010/main">
+        <mc:Choice Requires="a14">
           <p:sp>
             <p:nvSpPr>
               <p:cNvPr id="8" name="TextBox 7"/>
@@ -3455,7 +3893,7 @@
             </p:txBody>
           </p:sp>
         </mc:Choice>
-        <mc:Fallback>
+        <mc:Fallback xmlns="">
           <p:sp>
             <p:nvSpPr>
               <p:cNvPr id="8" name="TextBox 7"/>
@@ -3576,8 +4014,8 @@
           </a:p>
         </p:txBody>
       </p:sp>
-      <mc:AlternateContent xmlns:mc="http://schemas.openxmlformats.org/markup-compatibility/2006">
-        <mc:Choice xmlns:a14="http://schemas.microsoft.com/office/drawing/2010/main" Requires="a14">
+      <mc:AlternateContent xmlns:mc="http://schemas.openxmlformats.org/markup-compatibility/2006" xmlns:a14="http://schemas.microsoft.com/office/drawing/2010/main">
+        <mc:Choice Requires="a14">
           <p:sp>
             <p:nvSpPr>
               <p:cNvPr id="11" name="TextBox 10"/>
@@ -3679,7 +4117,7 @@
             </p:txBody>
           </p:sp>
         </mc:Choice>
-        <mc:Fallback>
+        <mc:Fallback xmlns="">
           <p:sp>
             <p:nvSpPr>
               <p:cNvPr id="11" name="TextBox 10"/>
@@ -3966,8 +4404,8 @@
             </a:p>
           </p:txBody>
         </p:sp>
-        <mc:AlternateContent xmlns:mc="http://schemas.openxmlformats.org/markup-compatibility/2006">
-          <mc:Choice xmlns:a14="http://schemas.microsoft.com/office/drawing/2010/main" Requires="a14">
+        <mc:AlternateContent xmlns:mc="http://schemas.openxmlformats.org/markup-compatibility/2006" xmlns:a14="http://schemas.microsoft.com/office/drawing/2010/main">
+          <mc:Choice Requires="a14">
             <p:sp>
               <p:nvSpPr>
                 <p:cNvPr id="20" name="TextBox 19"/>
@@ -4012,7 +4450,7 @@
               </p:txBody>
             </p:sp>
           </mc:Choice>
-          <mc:Fallback>
+          <mc:Fallback xmlns="">
             <p:sp>
               <p:nvSpPr>
                 <p:cNvPr id="20" name="TextBox 19"/>
@@ -4051,8 +4489,8 @@
             </p:sp>
           </mc:Fallback>
         </mc:AlternateContent>
-        <mc:AlternateContent xmlns:mc="http://schemas.openxmlformats.org/markup-compatibility/2006">
-          <mc:Choice xmlns:a14="http://schemas.microsoft.com/office/drawing/2010/main" Requires="a14">
+        <mc:AlternateContent xmlns:mc="http://schemas.openxmlformats.org/markup-compatibility/2006" xmlns:a14="http://schemas.microsoft.com/office/drawing/2010/main">
+          <mc:Choice Requires="a14">
             <p:sp>
               <p:nvSpPr>
                 <p:cNvPr id="21" name="TextBox 20"/>
@@ -4097,7 +4535,7 @@
               </p:txBody>
             </p:sp>
           </mc:Choice>
-          <mc:Fallback>
+          <mc:Fallback xmlns="">
             <p:sp>
               <p:nvSpPr>
                 <p:cNvPr id="21" name="TextBox 20"/>
@@ -6469,8 +6907,8 @@
             </a:p>
           </p:txBody>
         </p:sp>
-        <mc:AlternateContent xmlns:mc="http://schemas.openxmlformats.org/markup-compatibility/2006">
-          <mc:Choice xmlns:a14="http://schemas.microsoft.com/office/drawing/2010/main" Requires="a14">
+        <mc:AlternateContent xmlns:mc="http://schemas.openxmlformats.org/markup-compatibility/2006" xmlns:a14="http://schemas.microsoft.com/office/drawing/2010/main">
+          <mc:Choice Requires="a14">
             <p:sp>
               <p:nvSpPr>
                 <p:cNvPr id="39" name="TextBox 38"/>
@@ -6515,7 +6953,7 @@
               </p:txBody>
             </p:sp>
           </mc:Choice>
-          <mc:Fallback>
+          <mc:Fallback xmlns="">
             <p:sp>
               <p:nvSpPr>
                 <p:cNvPr id="39" name="TextBox 38"/>
@@ -6554,8 +6992,8 @@
             </p:sp>
           </mc:Fallback>
         </mc:AlternateContent>
-        <mc:AlternateContent xmlns:mc="http://schemas.openxmlformats.org/markup-compatibility/2006">
-          <mc:Choice xmlns:a14="http://schemas.microsoft.com/office/drawing/2010/main" Requires="a14">
+        <mc:AlternateContent xmlns:mc="http://schemas.openxmlformats.org/markup-compatibility/2006" xmlns:a14="http://schemas.microsoft.com/office/drawing/2010/main">
+          <mc:Choice Requires="a14">
             <p:sp>
               <p:nvSpPr>
                 <p:cNvPr id="40" name="TextBox 39"/>
@@ -6600,7 +7038,7 @@
               </p:txBody>
             </p:sp>
           </mc:Choice>
-          <mc:Fallback>
+          <mc:Fallback xmlns="">
             <p:sp>
               <p:nvSpPr>
                 <p:cNvPr id="40" name="TextBox 39"/>
@@ -6742,8 +7180,8 @@
           </a:fontRef>
         </p:style>
       </p:cxnSp>
-      <mc:AlternateContent xmlns:mc="http://schemas.openxmlformats.org/markup-compatibility/2006">
-        <mc:Choice xmlns:a14="http://schemas.microsoft.com/office/drawing/2010/main" Requires="a14">
+      <mc:AlternateContent xmlns:mc="http://schemas.openxmlformats.org/markup-compatibility/2006" xmlns:a14="http://schemas.microsoft.com/office/drawing/2010/main">
+        <mc:Choice Requires="a14">
           <p:sp>
             <p:nvSpPr>
               <p:cNvPr id="9" name="TextBox 8"/>
@@ -6788,7 +7226,7 @@
             </p:txBody>
           </p:sp>
         </mc:Choice>
-        <mc:Fallback>
+        <mc:Fallback xmlns="">
           <p:sp>
             <p:nvSpPr>
               <p:cNvPr id="9" name="TextBox 8"/>
@@ -6827,8 +7265,8 @@
           </p:sp>
         </mc:Fallback>
       </mc:AlternateContent>
-      <mc:AlternateContent xmlns:mc="http://schemas.openxmlformats.org/markup-compatibility/2006">
-        <mc:Choice xmlns:a14="http://schemas.microsoft.com/office/drawing/2010/main" Requires="a14">
+      <mc:AlternateContent xmlns:mc="http://schemas.openxmlformats.org/markup-compatibility/2006" xmlns:a14="http://schemas.microsoft.com/office/drawing/2010/main">
+        <mc:Choice Requires="a14">
           <p:sp>
             <p:nvSpPr>
               <p:cNvPr id="10" name="TextBox 9"/>
@@ -6873,7 +7311,7 @@
             </p:txBody>
           </p:sp>
         </mc:Choice>
-        <mc:Fallback>
+        <mc:Fallback xmlns="">
           <p:sp>
             <p:nvSpPr>
               <p:cNvPr id="10" name="TextBox 9"/>
@@ -6953,8 +7391,8 @@
           </a:p>
         </p:txBody>
       </p:sp>
-      <mc:AlternateContent xmlns:mc="http://schemas.openxmlformats.org/markup-compatibility/2006">
-        <mc:Choice xmlns:a14="http://schemas.microsoft.com/office/drawing/2010/main" Requires="a14">
+      <mc:AlternateContent xmlns:mc="http://schemas.openxmlformats.org/markup-compatibility/2006" xmlns:a14="http://schemas.microsoft.com/office/drawing/2010/main">
+        <mc:Choice Requires="a14">
           <p:sp>
             <p:nvSpPr>
               <p:cNvPr id="12" name="Rectangle 11"/>
@@ -7017,7 +7455,7 @@
             </p:txBody>
           </p:sp>
         </mc:Choice>
-        <mc:Fallback>
+        <mc:Fallback xmlns="">
           <p:sp>
             <p:nvSpPr>
               <p:cNvPr id="12" name="Rectangle 11"/>
@@ -7573,8 +8011,8 @@
           </a:fontRef>
         </p:style>
       </p:cxnSp>
-      <mc:AlternateContent xmlns:mc="http://schemas.openxmlformats.org/markup-compatibility/2006">
-        <mc:Choice xmlns:a14="http://schemas.microsoft.com/office/drawing/2010/main" Requires="a14">
+      <mc:AlternateContent xmlns:mc="http://schemas.openxmlformats.org/markup-compatibility/2006" xmlns:a14="http://schemas.microsoft.com/office/drawing/2010/main">
+        <mc:Choice Requires="a14">
           <p:sp>
             <p:nvSpPr>
               <p:cNvPr id="5" name="TextBox 4"/>
@@ -7619,7 +8057,7 @@
             </p:txBody>
           </p:sp>
         </mc:Choice>
-        <mc:Fallback>
+        <mc:Fallback xmlns="">
           <p:sp>
             <p:nvSpPr>
               <p:cNvPr id="5" name="TextBox 4"/>
@@ -7658,8 +8096,8 @@
           </p:sp>
         </mc:Fallback>
       </mc:AlternateContent>
-      <mc:AlternateContent xmlns:mc="http://schemas.openxmlformats.org/markup-compatibility/2006">
-        <mc:Choice xmlns:a14="http://schemas.microsoft.com/office/drawing/2010/main" Requires="a14">
+      <mc:AlternateContent xmlns:mc="http://schemas.openxmlformats.org/markup-compatibility/2006" xmlns:a14="http://schemas.microsoft.com/office/drawing/2010/main">
+        <mc:Choice Requires="a14">
           <p:sp>
             <p:nvSpPr>
               <p:cNvPr id="6" name="TextBox 5"/>
@@ -7704,7 +8142,7 @@
             </p:txBody>
           </p:sp>
         </mc:Choice>
-        <mc:Fallback>
+        <mc:Fallback xmlns="">
           <p:sp>
             <p:nvSpPr>
               <p:cNvPr id="6" name="TextBox 5"/>
@@ -8109,8 +8547,8 @@
             </a:p>
           </p:txBody>
         </p:sp>
-        <mc:AlternateContent xmlns:mc="http://schemas.openxmlformats.org/markup-compatibility/2006">
-          <mc:Choice xmlns:a14="http://schemas.microsoft.com/office/drawing/2010/main" Requires="a14">
+        <mc:AlternateContent xmlns:mc="http://schemas.openxmlformats.org/markup-compatibility/2006" xmlns:a14="http://schemas.microsoft.com/office/drawing/2010/main">
+          <mc:Choice Requires="a14">
             <p:sp>
               <p:nvSpPr>
                 <p:cNvPr id="22" name="TextBox 21"/>
@@ -8155,7 +8593,7 @@
               </p:txBody>
             </p:sp>
           </mc:Choice>
-          <mc:Fallback>
+          <mc:Fallback xmlns="">
             <p:sp>
               <p:nvSpPr>
                 <p:cNvPr id="22" name="TextBox 21"/>
@@ -8194,8 +8632,8 @@
             </p:sp>
           </mc:Fallback>
         </mc:AlternateContent>
-        <mc:AlternateContent xmlns:mc="http://schemas.openxmlformats.org/markup-compatibility/2006">
-          <mc:Choice xmlns:a14="http://schemas.microsoft.com/office/drawing/2010/main" Requires="a14">
+        <mc:AlternateContent xmlns:mc="http://schemas.openxmlformats.org/markup-compatibility/2006" xmlns:a14="http://schemas.microsoft.com/office/drawing/2010/main">
+          <mc:Choice Requires="a14">
             <p:sp>
               <p:nvSpPr>
                 <p:cNvPr id="23" name="TextBox 22"/>
@@ -8240,7 +8678,7 @@
               </p:txBody>
             </p:sp>
           </mc:Choice>
-          <mc:Fallback>
+          <mc:Fallback xmlns="">
             <p:sp>
               <p:nvSpPr>
                 <p:cNvPr id="23" name="TextBox 22"/>
@@ -8942,8 +9380,8 @@
             </a:p>
           </p:txBody>
         </p:sp>
-        <mc:AlternateContent xmlns:mc="http://schemas.openxmlformats.org/markup-compatibility/2006">
-          <mc:Choice xmlns:a14="http://schemas.microsoft.com/office/drawing/2010/main" Requires="a14">
+        <mc:AlternateContent xmlns:mc="http://schemas.openxmlformats.org/markup-compatibility/2006" xmlns:a14="http://schemas.microsoft.com/office/drawing/2010/main">
+          <mc:Choice Requires="a14">
             <p:sp>
               <p:nvSpPr>
                 <p:cNvPr id="28" name="TextBox 27"/>
@@ -8988,7 +9426,7 @@
               </p:txBody>
             </p:sp>
           </mc:Choice>
-          <mc:Fallback>
+          <mc:Fallback xmlns="">
             <p:sp>
               <p:nvSpPr>
                 <p:cNvPr id="28" name="TextBox 27"/>
@@ -9027,8 +9465,8 @@
             </p:sp>
           </mc:Fallback>
         </mc:AlternateContent>
-        <mc:AlternateContent xmlns:mc="http://schemas.openxmlformats.org/markup-compatibility/2006">
-          <mc:Choice xmlns:a14="http://schemas.microsoft.com/office/drawing/2010/main" Requires="a14">
+        <mc:AlternateContent xmlns:mc="http://schemas.openxmlformats.org/markup-compatibility/2006" xmlns:a14="http://schemas.microsoft.com/office/drawing/2010/main">
+          <mc:Choice Requires="a14">
             <p:sp>
               <p:nvSpPr>
                 <p:cNvPr id="29" name="TextBox 28"/>
@@ -9073,7 +9511,7 @@
               </p:txBody>
             </p:sp>
           </mc:Choice>
-          <mc:Fallback>
+          <mc:Fallback xmlns="">
             <p:sp>
               <p:nvSpPr>
                 <p:cNvPr id="29" name="TextBox 28"/>
@@ -9309,8 +9747,8 @@
           </a:p>
         </p:txBody>
       </p:sp>
-      <mc:AlternateContent xmlns:mc="http://schemas.openxmlformats.org/markup-compatibility/2006">
-        <mc:Choice xmlns:a14="http://schemas.microsoft.com/office/drawing/2010/main" Requires="a14">
+      <mc:AlternateContent xmlns:mc="http://schemas.openxmlformats.org/markup-compatibility/2006" xmlns:a14="http://schemas.microsoft.com/office/drawing/2010/main">
+        <mc:Choice Requires="a14">
           <p:sp>
             <p:nvSpPr>
               <p:cNvPr id="6" name="Rectangle 5"/>
@@ -9373,7 +9811,7 @@
             </p:txBody>
           </p:sp>
         </mc:Choice>
-        <mc:Fallback>
+        <mc:Fallback xmlns="">
           <p:sp>
             <p:nvSpPr>
               <p:cNvPr id="6" name="Rectangle 5"/>
@@ -9499,6 +9937,1067 @@
         <p:spPr>
           <a:xfrm>
             <a:off x="0" y="5335"/>
+            <a:ext cx="3238387" cy="369332"/>
+          </a:xfrm>
+          <a:prstGeom prst="rect">
+            <a:avLst/>
+          </a:prstGeom>
+          <a:noFill/>
+        </p:spPr>
+        <p:txBody>
+          <a:bodyPr wrap="none" rtlCol="0">
+            <a:spAutoFit/>
+          </a:bodyPr>
+          <a:lstStyle/>
+          <a:p>
+            <a:r>
+              <a:rPr lang="ja-JP" altLang="en-US" dirty="0" smtClean="0"/>
+              <a:t>スナップすべきケー</a:t>
+            </a:r>
+            <a:r>
+              <a:rPr lang="ja-JP" altLang="en-US" dirty="0" smtClean="0"/>
+              <a:t>ス（カーブ）：</a:t>
+            </a:r>
+            <a:endParaRPr lang="en-US" dirty="0"/>
+          </a:p>
+        </p:txBody>
+      </p:sp>
+      <p:sp>
+        <p:nvSpPr>
+          <p:cNvPr id="3" name="Freeform 2"/>
+          <p:cNvSpPr/>
+          <p:nvPr/>
+        </p:nvSpPr>
+        <p:spPr>
+          <a:xfrm>
+            <a:off x="1165412" y="1335741"/>
+            <a:ext cx="3684494" cy="3155577"/>
+          </a:xfrm>
+          <a:custGeom>
+            <a:avLst/>
+            <a:gdLst>
+              <a:gd name="connsiteX0" fmla="*/ 0 w 3684494"/>
+              <a:gd name="connsiteY0" fmla="*/ 2088777 h 3155577"/>
+              <a:gd name="connsiteX1" fmla="*/ 304800 w 3684494"/>
+              <a:gd name="connsiteY1" fmla="*/ 1111624 h 3155577"/>
+              <a:gd name="connsiteX2" fmla="*/ 1425388 w 3684494"/>
+              <a:gd name="connsiteY2" fmla="*/ 0 h 3155577"/>
+              <a:gd name="connsiteX3" fmla="*/ 2554941 w 3684494"/>
+              <a:gd name="connsiteY3" fmla="*/ 35859 h 3155577"/>
+              <a:gd name="connsiteX4" fmla="*/ 3496235 w 3684494"/>
+              <a:gd name="connsiteY4" fmla="*/ 788894 h 3155577"/>
+              <a:gd name="connsiteX5" fmla="*/ 3684494 w 3684494"/>
+              <a:gd name="connsiteY5" fmla="*/ 1810871 h 3155577"/>
+              <a:gd name="connsiteX6" fmla="*/ 3056964 w 3684494"/>
+              <a:gd name="connsiteY6" fmla="*/ 3155577 h 3155577"/>
+            </a:gdLst>
+            <a:ahLst/>
+            <a:cxnLst>
+              <a:cxn ang="0">
+                <a:pos x="connsiteX0" y="connsiteY0"/>
+              </a:cxn>
+              <a:cxn ang="0">
+                <a:pos x="connsiteX1" y="connsiteY1"/>
+              </a:cxn>
+              <a:cxn ang="0">
+                <a:pos x="connsiteX2" y="connsiteY2"/>
+              </a:cxn>
+              <a:cxn ang="0">
+                <a:pos x="connsiteX3" y="connsiteY3"/>
+              </a:cxn>
+              <a:cxn ang="0">
+                <a:pos x="connsiteX4" y="connsiteY4"/>
+              </a:cxn>
+              <a:cxn ang="0">
+                <a:pos x="connsiteX5" y="connsiteY5"/>
+              </a:cxn>
+              <a:cxn ang="0">
+                <a:pos x="connsiteX6" y="connsiteY6"/>
+              </a:cxn>
+            </a:cxnLst>
+            <a:rect l="l" t="t" r="r" b="b"/>
+            <a:pathLst>
+              <a:path w="3684494" h="3155577">
+                <a:moveTo>
+                  <a:pt x="0" y="2088777"/>
+                </a:moveTo>
+                <a:lnTo>
+                  <a:pt x="304800" y="1111624"/>
+                </a:lnTo>
+                <a:lnTo>
+                  <a:pt x="1425388" y="0"/>
+                </a:lnTo>
+                <a:lnTo>
+                  <a:pt x="2554941" y="35859"/>
+                </a:lnTo>
+                <a:lnTo>
+                  <a:pt x="3496235" y="788894"/>
+                </a:lnTo>
+                <a:lnTo>
+                  <a:pt x="3684494" y="1810871"/>
+                </a:lnTo>
+                <a:lnTo>
+                  <a:pt x="3056964" y="3155577"/>
+                </a:lnTo>
+              </a:path>
+            </a:pathLst>
+          </a:custGeom>
+          <a:noFill/>
+          <a:ln>
+            <a:solidFill>
+              <a:schemeClr val="tx1"/>
+            </a:solidFill>
+            <a:headEnd type="oval"/>
+            <a:tailEnd type="oval"/>
+          </a:ln>
+        </p:spPr>
+        <p:style>
+          <a:lnRef idx="2">
+            <a:schemeClr val="accent1">
+              <a:shade val="50000"/>
+            </a:schemeClr>
+          </a:lnRef>
+          <a:fillRef idx="1">
+            <a:schemeClr val="accent1"/>
+          </a:fillRef>
+          <a:effectRef idx="0">
+            <a:schemeClr val="accent1"/>
+          </a:effectRef>
+          <a:fontRef idx="minor">
+            <a:schemeClr val="lt1"/>
+          </a:fontRef>
+        </p:style>
+        <p:txBody>
+          <a:bodyPr rtlCol="0" anchor="ctr"/>
+          <a:lstStyle/>
+          <a:p>
+            <a:pPr algn="ctr"/>
+            <a:endParaRPr lang="en-US"/>
+          </a:p>
+        </p:txBody>
+      </p:sp>
+      <p:sp>
+        <p:nvSpPr>
+          <p:cNvPr id="5" name="Freeform 4"/>
+          <p:cNvSpPr/>
+          <p:nvPr/>
+        </p:nvSpPr>
+        <p:spPr>
+          <a:xfrm>
+            <a:off x="1143000" y="3429000"/>
+            <a:ext cx="3048000" cy="1062318"/>
+          </a:xfrm>
+          <a:custGeom>
+            <a:avLst/>
+            <a:gdLst>
+              <a:gd name="connsiteX0" fmla="*/ 0 w 2967317"/>
+              <a:gd name="connsiteY0" fmla="*/ 0 h 1075765"/>
+              <a:gd name="connsiteX1" fmla="*/ 1846729 w 2967317"/>
+              <a:gd name="connsiteY1" fmla="*/ 708212 h 1075765"/>
+              <a:gd name="connsiteX2" fmla="*/ 2967317 w 2967317"/>
+              <a:gd name="connsiteY2" fmla="*/ 1075765 h 1075765"/>
+            </a:gdLst>
+            <a:ahLst/>
+            <a:cxnLst>
+              <a:cxn ang="0">
+                <a:pos x="connsiteX0" y="connsiteY0"/>
+              </a:cxn>
+              <a:cxn ang="0">
+                <a:pos x="connsiteX1" y="connsiteY1"/>
+              </a:cxn>
+              <a:cxn ang="0">
+                <a:pos x="connsiteX2" y="connsiteY2"/>
+              </a:cxn>
+            </a:cxnLst>
+            <a:rect l="l" t="t" r="r" b="b"/>
+            <a:pathLst>
+              <a:path w="2967317" h="1075765">
+                <a:moveTo>
+                  <a:pt x="0" y="0"/>
+                </a:moveTo>
+                <a:lnTo>
+                  <a:pt x="1846729" y="708212"/>
+                </a:lnTo>
+                <a:lnTo>
+                  <a:pt x="2967317" y="1075765"/>
+                </a:lnTo>
+              </a:path>
+            </a:pathLst>
+          </a:custGeom>
+          <a:noFill/>
+          <a:ln>
+            <a:solidFill>
+              <a:schemeClr val="tx1"/>
+            </a:solidFill>
+            <a:prstDash val="dash"/>
+            <a:tailEnd type="arrow"/>
+          </a:ln>
+        </p:spPr>
+        <p:style>
+          <a:lnRef idx="2">
+            <a:schemeClr val="accent1">
+              <a:shade val="50000"/>
+            </a:schemeClr>
+          </a:lnRef>
+          <a:fillRef idx="1">
+            <a:schemeClr val="accent1"/>
+          </a:fillRef>
+          <a:effectRef idx="0">
+            <a:schemeClr val="accent1"/>
+          </a:effectRef>
+          <a:fontRef idx="minor">
+            <a:schemeClr val="lt1"/>
+          </a:fontRef>
+        </p:style>
+        <p:txBody>
+          <a:bodyPr rtlCol="0" anchor="ctr"/>
+          <a:lstStyle/>
+          <a:p>
+            <a:pPr algn="ctr"/>
+            <a:endParaRPr lang="en-US"/>
+          </a:p>
+        </p:txBody>
+      </p:sp>
+      <p:sp>
+        <p:nvSpPr>
+          <p:cNvPr id="4" name="Freeform 3"/>
+          <p:cNvSpPr/>
+          <p:nvPr/>
+        </p:nvSpPr>
+        <p:spPr>
+          <a:xfrm>
+            <a:off x="1165412" y="3433483"/>
+            <a:ext cx="2720041" cy="986118"/>
+          </a:xfrm>
+          <a:custGeom>
+            <a:avLst/>
+            <a:gdLst>
+              <a:gd name="connsiteX0" fmla="*/ 0 w 2967317"/>
+              <a:gd name="connsiteY0" fmla="*/ 0 h 1075765"/>
+              <a:gd name="connsiteX1" fmla="*/ 1846729 w 2967317"/>
+              <a:gd name="connsiteY1" fmla="*/ 708212 h 1075765"/>
+              <a:gd name="connsiteX2" fmla="*/ 2967317 w 2967317"/>
+              <a:gd name="connsiteY2" fmla="*/ 1075765 h 1075765"/>
+            </a:gdLst>
+            <a:ahLst/>
+            <a:cxnLst>
+              <a:cxn ang="0">
+                <a:pos x="connsiteX0" y="connsiteY0"/>
+              </a:cxn>
+              <a:cxn ang="0">
+                <a:pos x="connsiteX1" y="connsiteY1"/>
+              </a:cxn>
+              <a:cxn ang="0">
+                <a:pos x="connsiteX2" y="connsiteY2"/>
+              </a:cxn>
+            </a:cxnLst>
+            <a:rect l="l" t="t" r="r" b="b"/>
+            <a:pathLst>
+              <a:path w="2967317" h="1075765">
+                <a:moveTo>
+                  <a:pt x="0" y="0"/>
+                </a:moveTo>
+                <a:lnTo>
+                  <a:pt x="1846729" y="708212"/>
+                </a:lnTo>
+                <a:lnTo>
+                  <a:pt x="2967317" y="1075765"/>
+                </a:lnTo>
+              </a:path>
+            </a:pathLst>
+          </a:custGeom>
+          <a:noFill/>
+          <a:ln>
+            <a:solidFill>
+              <a:schemeClr val="tx1"/>
+            </a:solidFill>
+            <a:tailEnd type="arrow"/>
+          </a:ln>
+        </p:spPr>
+        <p:style>
+          <a:lnRef idx="2">
+            <a:schemeClr val="accent1">
+              <a:shade val="50000"/>
+            </a:schemeClr>
+          </a:lnRef>
+          <a:fillRef idx="1">
+            <a:schemeClr val="accent1"/>
+          </a:fillRef>
+          <a:effectRef idx="0">
+            <a:schemeClr val="accent1"/>
+          </a:effectRef>
+          <a:fontRef idx="minor">
+            <a:schemeClr val="lt1"/>
+          </a:fontRef>
+        </p:style>
+        <p:txBody>
+          <a:bodyPr rtlCol="0" anchor="ctr"/>
+          <a:lstStyle/>
+          <a:p>
+            <a:pPr algn="ctr"/>
+            <a:endParaRPr lang="en-US"/>
+          </a:p>
+        </p:txBody>
+      </p:sp>
+      <mc:AlternateContent xmlns:mc="http://schemas.openxmlformats.org/markup-compatibility/2006">
+        <mc:Choice xmlns:a14="http://schemas.microsoft.com/office/drawing/2010/main" Requires="a14">
+          <p:sp>
+            <p:nvSpPr>
+              <p:cNvPr id="6" name="TextBox 5"/>
+              <p:cNvSpPr txBox="1"/>
+              <p:nvPr/>
+            </p:nvSpPr>
+            <p:spPr>
+              <a:xfrm>
+                <a:off x="1981200" y="3401709"/>
+                <a:ext cx="399597" cy="369332"/>
+              </a:xfrm>
+              <a:prstGeom prst="rect">
+                <a:avLst/>
+              </a:prstGeom>
+              <a:noFill/>
+            </p:spPr>
+            <p:txBody>
+              <a:bodyPr wrap="none" rtlCol="0">
+                <a:spAutoFit/>
+              </a:bodyPr>
+              <a:lstStyle/>
+              <a:p>
+                <a:pPr/>
+                <a14:m>
+                  <m:oMathPara xmlns:m="http://schemas.openxmlformats.org/officeDocument/2006/math">
+                    <m:oMathParaPr>
+                      <m:jc m:val="centerGroup"/>
+                    </m:oMathParaPr>
+                    <m:oMath xmlns:m="http://schemas.openxmlformats.org/officeDocument/2006/math">
+                      <m:r>
+                        <a:rPr lang="en-US" i="1" smtClean="0">
+                          <a:latin typeface="Cambria Math"/>
+                          <a:ea typeface="Cambria Math"/>
+                        </a:rPr>
+                        <m:t>𝜑</m:t>
+                      </m:r>
+                    </m:oMath>
+                  </m:oMathPara>
+                </a14:m>
+                <a:endParaRPr lang="en-US" dirty="0"/>
+              </a:p>
+            </p:txBody>
+          </p:sp>
+        </mc:Choice>
+        <mc:Fallback>
+          <p:sp>
+            <p:nvSpPr>
+              <p:cNvPr id="6" name="TextBox 5"/>
+              <p:cNvSpPr txBox="1">
+                <a:spLocks noRot="1" noChangeAspect="1" noMove="1" noResize="1" noEditPoints="1" noAdjustHandles="1" noChangeArrowheads="1" noChangeShapeType="1" noTextEdit="1"/>
+              </p:cNvSpPr>
+              <p:nvPr/>
+            </p:nvSpPr>
+            <p:spPr>
+              <a:xfrm>
+                <a:off x="1981200" y="3401709"/>
+                <a:ext cx="399597" cy="369332"/>
+              </a:xfrm>
+              <a:prstGeom prst="rect">
+                <a:avLst/>
+              </a:prstGeom>
+              <a:blipFill rotWithShape="1">
+                <a:blip r:embed="rId3"/>
+                <a:stretch>
+                  <a:fillRect b="-4918"/>
+                </a:stretch>
+              </a:blipFill>
+            </p:spPr>
+            <p:txBody>
+              <a:bodyPr/>
+              <a:lstStyle/>
+              <a:p>
+                <a:r>
+                  <a:rPr lang="en-US">
+                    <a:noFill/>
+                  </a:rPr>
+                  <a:t> </a:t>
+                </a:r>
+              </a:p>
+            </p:txBody>
+          </p:sp>
+        </mc:Fallback>
+      </mc:AlternateContent>
+      <mc:AlternateContent xmlns:mc="http://schemas.openxmlformats.org/markup-compatibility/2006">
+        <mc:Choice xmlns:a14="http://schemas.microsoft.com/office/drawing/2010/main" Requires="a14">
+          <p:sp>
+            <p:nvSpPr>
+              <p:cNvPr id="7" name="TextBox 6"/>
+              <p:cNvSpPr txBox="1"/>
+              <p:nvPr/>
+            </p:nvSpPr>
+            <p:spPr>
+              <a:xfrm>
+                <a:off x="3816860" y="3789218"/>
+                <a:ext cx="374140" cy="369332"/>
+              </a:xfrm>
+              <a:prstGeom prst="rect">
+                <a:avLst/>
+              </a:prstGeom>
+              <a:noFill/>
+            </p:spPr>
+            <p:txBody>
+              <a:bodyPr wrap="none" rtlCol="0">
+                <a:spAutoFit/>
+              </a:bodyPr>
+              <a:lstStyle/>
+              <a:p>
+                <a:pPr/>
+                <a14:m>
+                  <m:oMathPara xmlns:m="http://schemas.openxmlformats.org/officeDocument/2006/math">
+                    <m:oMathParaPr>
+                      <m:jc m:val="centerGroup"/>
+                    </m:oMathParaPr>
+                    <m:oMath xmlns:m="http://schemas.openxmlformats.org/officeDocument/2006/math">
+                      <m:r>
+                        <a:rPr lang="en-US" i="1" smtClean="0">
+                          <a:latin typeface="Cambria Math"/>
+                          <a:ea typeface="Cambria Math"/>
+                        </a:rPr>
+                        <m:t>𝜃</m:t>
+                      </m:r>
+                    </m:oMath>
+                  </m:oMathPara>
+                </a14:m>
+                <a:endParaRPr lang="en-US" dirty="0"/>
+              </a:p>
+            </p:txBody>
+          </p:sp>
+        </mc:Choice>
+        <mc:Fallback>
+          <p:sp>
+            <p:nvSpPr>
+              <p:cNvPr id="7" name="TextBox 6"/>
+              <p:cNvSpPr txBox="1">
+                <a:spLocks noRot="1" noChangeAspect="1" noMove="1" noResize="1" noEditPoints="1" noAdjustHandles="1" noChangeArrowheads="1" noChangeShapeType="1" noTextEdit="1"/>
+              </p:cNvSpPr>
+              <p:nvPr/>
+            </p:nvSpPr>
+            <p:spPr>
+              <a:xfrm>
+                <a:off x="3816860" y="3789218"/>
+                <a:ext cx="374140" cy="369332"/>
+              </a:xfrm>
+              <a:prstGeom prst="rect">
+                <a:avLst/>
+              </a:prstGeom>
+              <a:blipFill rotWithShape="1">
+                <a:blip r:embed="rId4"/>
+                <a:stretch>
+                  <a:fillRect/>
+                </a:stretch>
+              </a:blipFill>
+            </p:spPr>
+            <p:txBody>
+              <a:bodyPr/>
+              <a:lstStyle/>
+              <a:p>
+                <a:r>
+                  <a:rPr lang="en-US">
+                    <a:noFill/>
+                  </a:rPr>
+                  <a:t> </a:t>
+                </a:r>
+              </a:p>
+            </p:txBody>
+          </p:sp>
+        </mc:Fallback>
+      </mc:AlternateContent>
+      <p:sp>
+        <p:nvSpPr>
+          <p:cNvPr id="8" name="Arc 7"/>
+          <p:cNvSpPr/>
+          <p:nvPr/>
+        </p:nvSpPr>
+        <p:spPr>
+          <a:xfrm>
+            <a:off x="3762187" y="4038600"/>
+            <a:ext cx="926353" cy="926353"/>
+          </a:xfrm>
+          <a:prstGeom prst="arc">
+            <a:avLst>
+              <a:gd name="adj1" fmla="val 11747502"/>
+              <a:gd name="adj2" fmla="val 17638839"/>
+            </a:avLst>
+          </a:prstGeom>
+        </p:spPr>
+        <p:style>
+          <a:lnRef idx="1">
+            <a:schemeClr val="accent1"/>
+          </a:lnRef>
+          <a:fillRef idx="0">
+            <a:schemeClr val="accent1"/>
+          </a:fillRef>
+          <a:effectRef idx="0">
+            <a:schemeClr val="accent1"/>
+          </a:effectRef>
+          <a:fontRef idx="minor">
+            <a:schemeClr val="tx1"/>
+          </a:fontRef>
+        </p:style>
+        <p:txBody>
+          <a:bodyPr rtlCol="0" anchor="ctr"/>
+          <a:lstStyle/>
+          <a:p>
+            <a:pPr algn="ctr"/>
+            <a:endParaRPr lang="en-US"/>
+          </a:p>
+        </p:txBody>
+      </p:sp>
+      <p:grpSp>
+        <p:nvGrpSpPr>
+          <p:cNvPr id="9" name="Group 8"/>
+          <p:cNvGrpSpPr/>
+          <p:nvPr/>
+        </p:nvGrpSpPr>
+        <p:grpSpPr>
+          <a:xfrm>
+            <a:off x="5266667" y="3669268"/>
+            <a:ext cx="3892841" cy="3036332"/>
+            <a:chOff x="5266667" y="3669268"/>
+            <a:chExt cx="3892841" cy="3036332"/>
+          </a:xfrm>
+        </p:grpSpPr>
+        <p:cxnSp>
+          <p:nvCxnSpPr>
+            <p:cNvPr id="10" name="Straight Arrow Connector 9"/>
+            <p:cNvCxnSpPr/>
+            <p:nvPr/>
+          </p:nvCxnSpPr>
+          <p:spPr>
+            <a:xfrm>
+              <a:off x="5800067" y="6183868"/>
+              <a:ext cx="3124200" cy="0"/>
+            </a:xfrm>
+            <a:prstGeom prst="straightConnector1">
+              <a:avLst/>
+            </a:prstGeom>
+            <a:ln>
+              <a:tailEnd type="arrow"/>
+            </a:ln>
+          </p:spPr>
+          <p:style>
+            <a:lnRef idx="1">
+              <a:schemeClr val="accent1"/>
+            </a:lnRef>
+            <a:fillRef idx="0">
+              <a:schemeClr val="accent1"/>
+            </a:fillRef>
+            <a:effectRef idx="0">
+              <a:schemeClr val="accent1"/>
+            </a:effectRef>
+            <a:fontRef idx="minor">
+              <a:schemeClr val="tx1"/>
+            </a:fontRef>
+          </p:style>
+        </p:cxnSp>
+        <p:cxnSp>
+          <p:nvCxnSpPr>
+            <p:cNvPr id="11" name="Straight Arrow Connector 10"/>
+            <p:cNvCxnSpPr/>
+            <p:nvPr/>
+          </p:nvCxnSpPr>
+          <p:spPr>
+            <a:xfrm flipV="1">
+              <a:off x="5952467" y="3669268"/>
+              <a:ext cx="0" cy="2743200"/>
+            </a:xfrm>
+            <a:prstGeom prst="straightConnector1">
+              <a:avLst/>
+            </a:prstGeom>
+            <a:ln>
+              <a:tailEnd type="arrow"/>
+            </a:ln>
+          </p:spPr>
+          <p:style>
+            <a:lnRef idx="1">
+              <a:schemeClr val="accent1"/>
+            </a:lnRef>
+            <a:fillRef idx="0">
+              <a:schemeClr val="accent1"/>
+            </a:fillRef>
+            <a:effectRef idx="0">
+              <a:schemeClr val="accent1"/>
+            </a:effectRef>
+            <a:fontRef idx="minor">
+              <a:schemeClr val="tx1"/>
+            </a:fontRef>
+          </p:style>
+        </p:cxnSp>
+        <p:cxnSp>
+          <p:nvCxnSpPr>
+            <p:cNvPr id="12" name="Straight Connector 11"/>
+            <p:cNvCxnSpPr/>
+            <p:nvPr/>
+          </p:nvCxnSpPr>
+          <p:spPr>
+            <a:xfrm>
+              <a:off x="5876267" y="3897868"/>
+              <a:ext cx="2895600" cy="0"/>
+            </a:xfrm>
+            <a:prstGeom prst="line">
+              <a:avLst/>
+            </a:prstGeom>
+            <a:ln>
+              <a:prstDash val="dash"/>
+            </a:ln>
+          </p:spPr>
+          <p:style>
+            <a:lnRef idx="1">
+              <a:schemeClr val="accent1"/>
+            </a:lnRef>
+            <a:fillRef idx="0">
+              <a:schemeClr val="accent1"/>
+            </a:fillRef>
+            <a:effectRef idx="0">
+              <a:schemeClr val="accent1"/>
+            </a:effectRef>
+            <a:fontRef idx="minor">
+              <a:schemeClr val="tx1"/>
+            </a:fontRef>
+          </p:style>
+        </p:cxnSp>
+        <p:cxnSp>
+          <p:nvCxnSpPr>
+            <p:cNvPr id="13" name="Straight Connector 12"/>
+            <p:cNvCxnSpPr/>
+            <p:nvPr/>
+          </p:nvCxnSpPr>
+          <p:spPr>
+            <a:xfrm flipV="1">
+              <a:off x="8619467" y="3777734"/>
+              <a:ext cx="0" cy="2558534"/>
+            </a:xfrm>
+            <a:prstGeom prst="line">
+              <a:avLst/>
+            </a:prstGeom>
+            <a:ln>
+              <a:prstDash val="dash"/>
+            </a:ln>
+          </p:spPr>
+          <p:style>
+            <a:lnRef idx="1">
+              <a:schemeClr val="accent1"/>
+            </a:lnRef>
+            <a:fillRef idx="0">
+              <a:schemeClr val="accent1"/>
+            </a:fillRef>
+            <a:effectRef idx="0">
+              <a:schemeClr val="accent1"/>
+            </a:effectRef>
+            <a:fontRef idx="minor">
+              <a:schemeClr val="tx1"/>
+            </a:fontRef>
+          </p:style>
+        </p:cxnSp>
+        <p:sp>
+          <p:nvSpPr>
+            <p:cNvPr id="14" name="TextBox 13"/>
+            <p:cNvSpPr txBox="1"/>
+            <p:nvPr/>
+          </p:nvSpPr>
+          <p:spPr>
+            <a:xfrm>
+              <a:off x="8392951" y="6336268"/>
+              <a:ext cx="766557" cy="369332"/>
+            </a:xfrm>
+            <a:prstGeom prst="rect">
+              <a:avLst/>
+            </a:prstGeom>
+            <a:noFill/>
+          </p:spPr>
+          <p:txBody>
+            <a:bodyPr wrap="none" rtlCol="0">
+              <a:spAutoFit/>
+            </a:bodyPr>
+            <a:lstStyle/>
+            <a:p>
+              <a:r>
+                <a:rPr lang="en-US" dirty="0" smtClean="0"/>
+                <a:t>180</a:t>
+              </a:r>
+              <a:r>
+                <a:rPr lang="en-US" altLang="ja-JP" dirty="0" smtClean="0"/>
+                <a:t>°</a:t>
+              </a:r>
+              <a:endParaRPr lang="en-US" dirty="0"/>
+            </a:p>
+          </p:txBody>
+        </p:sp>
+        <p:sp>
+          <p:nvSpPr>
+            <p:cNvPr id="15" name="TextBox 14"/>
+            <p:cNvSpPr txBox="1"/>
+            <p:nvPr/>
+          </p:nvSpPr>
+          <p:spPr>
+            <a:xfrm>
+              <a:off x="5266667" y="3777734"/>
+              <a:ext cx="766557" cy="369332"/>
+            </a:xfrm>
+            <a:prstGeom prst="rect">
+              <a:avLst/>
+            </a:prstGeom>
+            <a:noFill/>
+          </p:spPr>
+          <p:txBody>
+            <a:bodyPr wrap="none" rtlCol="0">
+              <a:spAutoFit/>
+            </a:bodyPr>
+            <a:lstStyle/>
+            <a:p>
+              <a:r>
+                <a:rPr lang="en-US" dirty="0" smtClean="0"/>
+                <a:t>180</a:t>
+              </a:r>
+              <a:r>
+                <a:rPr lang="en-US" altLang="ja-JP" dirty="0" smtClean="0"/>
+                <a:t>°</a:t>
+              </a:r>
+              <a:endParaRPr lang="en-US" dirty="0"/>
+            </a:p>
+          </p:txBody>
+        </p:sp>
+        <p:sp>
+          <p:nvSpPr>
+            <p:cNvPr id="16" name="TextBox 15"/>
+            <p:cNvSpPr txBox="1"/>
+            <p:nvPr/>
+          </p:nvSpPr>
+          <p:spPr>
+            <a:xfrm>
+              <a:off x="5578990" y="6227802"/>
+              <a:ext cx="532518" cy="369332"/>
+            </a:xfrm>
+            <a:prstGeom prst="rect">
+              <a:avLst/>
+            </a:prstGeom>
+            <a:noFill/>
+          </p:spPr>
+          <p:txBody>
+            <a:bodyPr wrap="none" rtlCol="0">
+              <a:spAutoFit/>
+            </a:bodyPr>
+            <a:lstStyle/>
+            <a:p>
+              <a:r>
+                <a:rPr lang="en-US" dirty="0" smtClean="0"/>
+                <a:t>0</a:t>
+              </a:r>
+              <a:r>
+                <a:rPr lang="en-US" altLang="ja-JP" dirty="0" smtClean="0"/>
+                <a:t>°</a:t>
+              </a:r>
+              <a:endParaRPr lang="en-US" dirty="0"/>
+            </a:p>
+          </p:txBody>
+        </p:sp>
+        <mc:AlternateContent xmlns:mc="http://schemas.openxmlformats.org/markup-compatibility/2006" xmlns:a14="http://schemas.microsoft.com/office/drawing/2010/main">
+          <mc:Choice Requires="a14">
+            <p:sp>
+              <p:nvSpPr>
+                <p:cNvPr id="17" name="TextBox 16"/>
+                <p:cNvSpPr txBox="1"/>
+                <p:nvPr/>
+              </p:nvSpPr>
+              <p:spPr>
+                <a:xfrm>
+                  <a:off x="7175097" y="6230951"/>
+                  <a:ext cx="374140" cy="369332"/>
+                </a:xfrm>
+                <a:prstGeom prst="rect">
+                  <a:avLst/>
+                </a:prstGeom>
+                <a:noFill/>
+              </p:spPr>
+              <p:txBody>
+                <a:bodyPr wrap="none" rtlCol="0">
+                  <a:spAutoFit/>
+                </a:bodyPr>
+                <a:lstStyle/>
+                <a:p>
+                  <a:pPr/>
+                  <a14:m>
+                    <m:oMathPara xmlns:m="http://schemas.openxmlformats.org/officeDocument/2006/math">
+                      <m:oMathParaPr>
+                        <m:jc m:val="centerGroup"/>
+                      </m:oMathParaPr>
+                      <m:oMath xmlns:m="http://schemas.openxmlformats.org/officeDocument/2006/math">
+                        <m:r>
+                          <a:rPr lang="en-US" i="1" smtClean="0">
+                            <a:latin typeface="Cambria Math"/>
+                            <a:ea typeface="Cambria Math"/>
+                          </a:rPr>
+                          <m:t>𝜃</m:t>
+                        </m:r>
+                      </m:oMath>
+                    </m:oMathPara>
+                  </a14:m>
+                  <a:endParaRPr lang="en-US" dirty="0"/>
+                </a:p>
+              </p:txBody>
+            </p:sp>
+          </mc:Choice>
+          <mc:Fallback xmlns="">
+            <p:sp>
+              <p:nvSpPr>
+                <p:cNvPr id="28" name="TextBox 27"/>
+                <p:cNvSpPr txBox="1">
+                  <a:spLocks noRot="1" noChangeAspect="1" noMove="1" noResize="1" noEditPoints="1" noAdjustHandles="1" noChangeArrowheads="1" noChangeShapeType="1" noTextEdit="1"/>
+                </p:cNvSpPr>
+                <p:nvPr/>
+              </p:nvSpPr>
+              <p:spPr>
+                <a:xfrm>
+                  <a:off x="7175097" y="6230951"/>
+                  <a:ext cx="374140" cy="369332"/>
+                </a:xfrm>
+                <a:prstGeom prst="rect">
+                  <a:avLst/>
+                </a:prstGeom>
+                <a:blipFill rotWithShape="1">
+                  <a:blip r:embed="rId5"/>
+                  <a:stretch>
+                    <a:fillRect/>
+                  </a:stretch>
+                </a:blipFill>
+              </p:spPr>
+              <p:txBody>
+                <a:bodyPr/>
+                <a:lstStyle/>
+                <a:p>
+                  <a:r>
+                    <a:rPr lang="en-US">
+                      <a:noFill/>
+                    </a:rPr>
+                    <a:t> </a:t>
+                  </a:r>
+                </a:p>
+              </p:txBody>
+            </p:sp>
+          </mc:Fallback>
+        </mc:AlternateContent>
+        <mc:AlternateContent xmlns:mc="http://schemas.openxmlformats.org/markup-compatibility/2006" xmlns:a14="http://schemas.microsoft.com/office/drawing/2010/main">
+          <mc:Choice Requires="a14">
+            <p:sp>
+              <p:nvSpPr>
+                <p:cNvPr id="18" name="TextBox 17"/>
+                <p:cNvSpPr txBox="1"/>
+                <p:nvPr/>
+              </p:nvSpPr>
+              <p:spPr>
+                <a:xfrm>
+                  <a:off x="5416844" y="4953000"/>
+                  <a:ext cx="399597" cy="369332"/>
+                </a:xfrm>
+                <a:prstGeom prst="rect">
+                  <a:avLst/>
+                </a:prstGeom>
+                <a:noFill/>
+              </p:spPr>
+              <p:txBody>
+                <a:bodyPr wrap="none" rtlCol="0">
+                  <a:spAutoFit/>
+                </a:bodyPr>
+                <a:lstStyle/>
+                <a:p>
+                  <a:pPr/>
+                  <a14:m>
+                    <m:oMathPara xmlns:m="http://schemas.openxmlformats.org/officeDocument/2006/math">
+                      <m:oMathParaPr>
+                        <m:jc m:val="centerGroup"/>
+                      </m:oMathParaPr>
+                      <m:oMath xmlns:m="http://schemas.openxmlformats.org/officeDocument/2006/math">
+                        <m:r>
+                          <a:rPr lang="en-US" i="1" smtClean="0">
+                            <a:latin typeface="Cambria Math"/>
+                            <a:ea typeface="Cambria Math"/>
+                          </a:rPr>
+                          <m:t>𝜑</m:t>
+                        </m:r>
+                      </m:oMath>
+                    </m:oMathPara>
+                  </a14:m>
+                  <a:endParaRPr lang="en-US" dirty="0"/>
+                </a:p>
+              </p:txBody>
+            </p:sp>
+          </mc:Choice>
+          <mc:Fallback xmlns="">
+            <p:sp>
+              <p:nvSpPr>
+                <p:cNvPr id="29" name="TextBox 28"/>
+                <p:cNvSpPr txBox="1">
+                  <a:spLocks noRot="1" noChangeAspect="1" noMove="1" noResize="1" noEditPoints="1" noAdjustHandles="1" noChangeArrowheads="1" noChangeShapeType="1" noTextEdit="1"/>
+                </p:cNvSpPr>
+                <p:nvPr/>
+              </p:nvSpPr>
+              <p:spPr>
+                <a:xfrm>
+                  <a:off x="5416844" y="4953000"/>
+                  <a:ext cx="399597" cy="369332"/>
+                </a:xfrm>
+                <a:prstGeom prst="rect">
+                  <a:avLst/>
+                </a:prstGeom>
+                <a:blipFill rotWithShape="1">
+                  <a:blip r:embed="rId6"/>
+                  <a:stretch>
+                    <a:fillRect b="-5000"/>
+                  </a:stretch>
+                </a:blipFill>
+              </p:spPr>
+              <p:txBody>
+                <a:bodyPr/>
+                <a:lstStyle/>
+                <a:p>
+                  <a:r>
+                    <a:rPr lang="en-US">
+                      <a:noFill/>
+                    </a:rPr>
+                    <a:t> </a:t>
+                  </a:r>
+                </a:p>
+              </p:txBody>
+            </p:sp>
+          </mc:Fallback>
+        </mc:AlternateContent>
+      </p:grpSp>
+      <p:sp>
+        <p:nvSpPr>
+          <p:cNvPr id="19" name="Oval 18"/>
+          <p:cNvSpPr/>
+          <p:nvPr/>
+        </p:nvSpPr>
+        <p:spPr>
+          <a:xfrm>
+            <a:off x="7283825" y="6107668"/>
+            <a:ext cx="152400" cy="152400"/>
+          </a:xfrm>
+          <a:prstGeom prst="ellipse">
+            <a:avLst/>
+          </a:prstGeom>
+          <a:solidFill>
+            <a:schemeClr val="tx1"/>
+          </a:solidFill>
+          <a:ln>
+            <a:solidFill>
+              <a:schemeClr val="tx1"/>
+            </a:solidFill>
+          </a:ln>
+        </p:spPr>
+        <p:style>
+          <a:lnRef idx="2">
+            <a:schemeClr val="accent1">
+              <a:shade val="50000"/>
+            </a:schemeClr>
+          </a:lnRef>
+          <a:fillRef idx="1">
+            <a:schemeClr val="accent1"/>
+          </a:fillRef>
+          <a:effectRef idx="0">
+            <a:schemeClr val="accent1"/>
+          </a:effectRef>
+          <a:fontRef idx="minor">
+            <a:schemeClr val="lt1"/>
+          </a:fontRef>
+        </p:style>
+        <p:txBody>
+          <a:bodyPr rtlCol="0" anchor="ctr"/>
+          <a:lstStyle/>
+          <a:p>
+            <a:pPr algn="ctr"/>
+            <a:endParaRPr lang="en-US"/>
+          </a:p>
+        </p:txBody>
+      </p:sp>
+      <p:sp>
+        <p:nvSpPr>
+          <p:cNvPr id="20" name="TextBox 19"/>
+          <p:cNvSpPr txBox="1"/>
+          <p:nvPr/>
+        </p:nvSpPr>
+        <p:spPr>
+          <a:xfrm>
+            <a:off x="2443778" y="653534"/>
+            <a:ext cx="6412333" cy="369332"/>
+          </a:xfrm>
+          <a:prstGeom prst="rect">
+            <a:avLst/>
+          </a:prstGeom>
+          <a:noFill/>
+        </p:spPr>
+        <p:txBody>
+          <a:bodyPr wrap="none" rtlCol="0">
+            <a:spAutoFit/>
+          </a:bodyPr>
+          <a:lstStyle/>
+          <a:p>
+            <a:r>
+              <a:rPr lang="ja-JP" altLang="en-US" dirty="0"/>
+              <a:t>つまり</a:t>
+            </a:r>
+            <a:r>
+              <a:rPr lang="ja-JP" altLang="en-US" dirty="0" smtClean="0"/>
+              <a:t>、</a:t>
+            </a:r>
+            <a:r>
+              <a:rPr lang="en-US" altLang="ja-JP" dirty="0" smtClean="0"/>
+              <a:t>θ</a:t>
+            </a:r>
+            <a:r>
+              <a:rPr lang="ja-JP" altLang="en-US" dirty="0" smtClean="0"/>
+              <a:t>は、カーブの最後の線分同士のなす角度を使うべきだ。</a:t>
+            </a:r>
+            <a:endParaRPr lang="en-US" dirty="0"/>
+          </a:p>
+        </p:txBody>
+      </p:sp>
+    </p:spTree>
+    <p:extLst>
+      <p:ext uri="{BB962C8B-B14F-4D97-AF65-F5344CB8AC3E}">
+        <p14:creationId xmlns:p14="http://schemas.microsoft.com/office/powerpoint/2010/main" val="1476764927"/>
+      </p:ext>
+    </p:extLst>
+  </p:cSld>
+  <p:clrMapOvr>
+    <a:masterClrMapping/>
+  </p:clrMapOvr>
+</p:sld>
+</file>
+
+<file path=ppt/slides/slide7.xml><?xml version="1.0" encoding="utf-8"?>
+<p:sld xmlns:a="http://schemas.openxmlformats.org/drawingml/2006/main" xmlns:r="http://schemas.openxmlformats.org/officeDocument/2006/relationships" xmlns:p="http://schemas.openxmlformats.org/presentationml/2006/main">
+  <p:cSld>
+    <p:spTree>
+      <p:nvGrpSpPr>
+        <p:cNvPr id="1" name=""/>
+        <p:cNvGrpSpPr/>
+        <p:nvPr/>
+      </p:nvGrpSpPr>
+      <p:grpSpPr>
+        <a:xfrm>
+          <a:off x="0" y="0"/>
+          <a:ext cx="0" cy="0"/>
+          <a:chOff x="0" y="0"/>
+          <a:chExt cx="0" cy="0"/>
+        </a:xfrm>
+      </p:grpSpPr>
+      <p:sp>
+        <p:nvSpPr>
+          <p:cNvPr id="2" name="TextBox 1"/>
+          <p:cNvSpPr txBox="1"/>
+          <p:nvPr/>
+        </p:nvSpPr>
+        <p:spPr>
+          <a:xfrm>
+            <a:off x="0" y="5335"/>
             <a:ext cx="3026791" cy="369332"/>
           </a:xfrm>
           <a:prstGeom prst="rect">
@@ -9592,8 +11091,8 @@
           </a:fontRef>
         </p:style>
       </p:cxnSp>
-      <mc:AlternateContent xmlns:mc="http://schemas.openxmlformats.org/markup-compatibility/2006">
-        <mc:Choice xmlns:a14="http://schemas.microsoft.com/office/drawing/2010/main" Requires="a14">
+      <mc:AlternateContent xmlns:mc="http://schemas.openxmlformats.org/markup-compatibility/2006" xmlns:a14="http://schemas.microsoft.com/office/drawing/2010/main">
+        <mc:Choice Requires="a14">
           <p:sp>
             <p:nvSpPr>
               <p:cNvPr id="5" name="TextBox 4"/>
@@ -9638,7 +11137,7 @@
             </p:txBody>
           </p:sp>
         </mc:Choice>
-        <mc:Fallback>
+        <mc:Fallback xmlns="">
           <p:sp>
             <p:nvSpPr>
               <p:cNvPr id="5" name="TextBox 4"/>
@@ -9677,8 +11176,8 @@
           </p:sp>
         </mc:Fallback>
       </mc:AlternateContent>
-      <mc:AlternateContent xmlns:mc="http://schemas.openxmlformats.org/markup-compatibility/2006">
-        <mc:Choice xmlns:a14="http://schemas.microsoft.com/office/drawing/2010/main" Requires="a14">
+      <mc:AlternateContent xmlns:mc="http://schemas.openxmlformats.org/markup-compatibility/2006" xmlns:a14="http://schemas.microsoft.com/office/drawing/2010/main">
+        <mc:Choice Requires="a14">
           <p:sp>
             <p:nvSpPr>
               <p:cNvPr id="6" name="TextBox 5"/>
@@ -9723,7 +11222,7 @@
             </p:txBody>
           </p:sp>
         </mc:Choice>
-        <mc:Fallback>
+        <mc:Fallback xmlns="">
           <p:sp>
             <p:nvSpPr>
               <p:cNvPr id="6" name="TextBox 5"/>
@@ -10129,8 +11628,8 @@
             </a:p>
           </p:txBody>
         </p:sp>
-        <mc:AlternateContent xmlns:mc="http://schemas.openxmlformats.org/markup-compatibility/2006">
-          <mc:Choice xmlns:a14="http://schemas.microsoft.com/office/drawing/2010/main" Requires="a14">
+        <mc:AlternateContent xmlns:mc="http://schemas.openxmlformats.org/markup-compatibility/2006" xmlns:a14="http://schemas.microsoft.com/office/drawing/2010/main">
+          <mc:Choice Requires="a14">
             <p:sp>
               <p:nvSpPr>
                 <p:cNvPr id="23" name="TextBox 22"/>
@@ -10175,7 +11674,7 @@
               </p:txBody>
             </p:sp>
           </mc:Choice>
-          <mc:Fallback>
+          <mc:Fallback xmlns="">
             <p:sp>
               <p:nvSpPr>
                 <p:cNvPr id="23" name="TextBox 22"/>
@@ -10214,8 +11713,8 @@
             </p:sp>
           </mc:Fallback>
         </mc:AlternateContent>
-        <mc:AlternateContent xmlns:mc="http://schemas.openxmlformats.org/markup-compatibility/2006">
-          <mc:Choice xmlns:a14="http://schemas.microsoft.com/office/drawing/2010/main" Requires="a14">
+        <mc:AlternateContent xmlns:mc="http://schemas.openxmlformats.org/markup-compatibility/2006" xmlns:a14="http://schemas.microsoft.com/office/drawing/2010/main">
+          <mc:Choice Requires="a14">
             <p:sp>
               <p:nvSpPr>
                 <p:cNvPr id="24" name="TextBox 23"/>
@@ -10260,7 +11759,7 @@
               </p:txBody>
             </p:sp>
           </mc:Choice>
-          <mc:Fallback>
+          <mc:Fallback xmlns="">
             <p:sp>
               <p:nvSpPr>
                 <p:cNvPr id="24" name="TextBox 23"/>
@@ -10745,7 +12244,7 @@
 </p:sld>
 </file>
 
-<file path=ppt/slides/slide7.xml><?xml version="1.0" encoding="utf-8"?>
+<file path=ppt/slides/slide8.xml><?xml version="1.0" encoding="utf-8"?>
 <p:sld xmlns:a="http://schemas.openxmlformats.org/drawingml/2006/main" xmlns:r="http://schemas.openxmlformats.org/officeDocument/2006/relationships" xmlns:p="http://schemas.openxmlformats.org/presentationml/2006/main">
   <p:cSld>
     <p:spTree>
@@ -10864,8 +12363,8 @@
           </a:fontRef>
         </p:style>
       </p:cxnSp>
-      <mc:AlternateContent xmlns:mc="http://schemas.openxmlformats.org/markup-compatibility/2006">
-        <mc:Choice xmlns:a14="http://schemas.microsoft.com/office/drawing/2010/main" Requires="a14">
+      <mc:AlternateContent xmlns:mc="http://schemas.openxmlformats.org/markup-compatibility/2006" xmlns:a14="http://schemas.microsoft.com/office/drawing/2010/main">
+        <mc:Choice Requires="a14">
           <p:sp>
             <p:nvSpPr>
               <p:cNvPr id="5" name="TextBox 4"/>
@@ -10910,7 +12409,7 @@
             </p:txBody>
           </p:sp>
         </mc:Choice>
-        <mc:Fallback>
+        <mc:Fallback xmlns="">
           <p:sp>
             <p:nvSpPr>
               <p:cNvPr id="5" name="TextBox 4"/>
@@ -10949,8 +12448,8 @@
           </p:sp>
         </mc:Fallback>
       </mc:AlternateContent>
-      <mc:AlternateContent xmlns:mc="http://schemas.openxmlformats.org/markup-compatibility/2006">
-        <mc:Choice xmlns:a14="http://schemas.microsoft.com/office/drawing/2010/main" Requires="a14">
+      <mc:AlternateContent xmlns:mc="http://schemas.openxmlformats.org/markup-compatibility/2006" xmlns:a14="http://schemas.microsoft.com/office/drawing/2010/main">
+        <mc:Choice Requires="a14">
           <p:sp>
             <p:nvSpPr>
               <p:cNvPr id="6" name="TextBox 5"/>
@@ -10995,7 +12494,7 @@
             </p:txBody>
           </p:sp>
         </mc:Choice>
-        <mc:Fallback>
+        <mc:Fallback xmlns="">
           <p:sp>
             <p:nvSpPr>
               <p:cNvPr id="6" name="TextBox 5"/>
@@ -11401,8 +12900,8 @@
             </a:p>
           </p:txBody>
         </p:sp>
-        <mc:AlternateContent xmlns:mc="http://schemas.openxmlformats.org/markup-compatibility/2006">
-          <mc:Choice xmlns:a14="http://schemas.microsoft.com/office/drawing/2010/main" Requires="a14">
+        <mc:AlternateContent xmlns:mc="http://schemas.openxmlformats.org/markup-compatibility/2006" xmlns:a14="http://schemas.microsoft.com/office/drawing/2010/main">
+          <mc:Choice Requires="a14">
             <p:sp>
               <p:nvSpPr>
                 <p:cNvPr id="23" name="TextBox 22"/>
@@ -11447,7 +12946,7 @@
               </p:txBody>
             </p:sp>
           </mc:Choice>
-          <mc:Fallback>
+          <mc:Fallback xmlns="">
             <p:sp>
               <p:nvSpPr>
                 <p:cNvPr id="23" name="TextBox 22"/>
@@ -11486,8 +12985,8 @@
             </p:sp>
           </mc:Fallback>
         </mc:AlternateContent>
-        <mc:AlternateContent xmlns:mc="http://schemas.openxmlformats.org/markup-compatibility/2006">
-          <mc:Choice xmlns:a14="http://schemas.microsoft.com/office/drawing/2010/main" Requires="a14">
+        <mc:AlternateContent xmlns:mc="http://schemas.openxmlformats.org/markup-compatibility/2006" xmlns:a14="http://schemas.microsoft.com/office/drawing/2010/main">
+          <mc:Choice Requires="a14">
             <p:sp>
               <p:nvSpPr>
                 <p:cNvPr id="24" name="TextBox 23"/>
@@ -11532,7 +13031,7 @@
               </p:txBody>
             </p:sp>
           </mc:Choice>
-          <mc:Fallback>
+          <mc:Fallback xmlns="">
             <p:sp>
               <p:nvSpPr>
                 <p:cNvPr id="24" name="TextBox 23"/>
@@ -11969,7 +13468,7 @@
 </p:sld>
 </file>
 
-<file path=ppt/slides/slide8.xml><?xml version="1.0" encoding="utf-8"?>
+<file path=ppt/slides/slide9.xml><?xml version="1.0" encoding="utf-8"?>
 <p:sld xmlns:a="http://schemas.openxmlformats.org/drawingml/2006/main" xmlns:r="http://schemas.openxmlformats.org/officeDocument/2006/relationships" xmlns:p="http://schemas.openxmlformats.org/presentationml/2006/main">
   <p:cSld>
     <p:spTree>
@@ -12088,8 +13587,8 @@
           </a:fontRef>
         </p:style>
       </p:cxnSp>
-      <mc:AlternateContent xmlns:mc="http://schemas.openxmlformats.org/markup-compatibility/2006">
-        <mc:Choice xmlns:a14="http://schemas.microsoft.com/office/drawing/2010/main" Requires="a14">
+      <mc:AlternateContent xmlns:mc="http://schemas.openxmlformats.org/markup-compatibility/2006" xmlns:a14="http://schemas.microsoft.com/office/drawing/2010/main">
+        <mc:Choice Requires="a14">
           <p:sp>
             <p:nvSpPr>
               <p:cNvPr id="5" name="TextBox 4"/>
@@ -12134,7 +13633,7 @@
             </p:txBody>
           </p:sp>
         </mc:Choice>
-        <mc:Fallback>
+        <mc:Fallback xmlns="">
           <p:sp>
             <p:nvSpPr>
               <p:cNvPr id="5" name="TextBox 4"/>
@@ -12173,8 +13672,8 @@
           </p:sp>
         </mc:Fallback>
       </mc:AlternateContent>
-      <mc:AlternateContent xmlns:mc="http://schemas.openxmlformats.org/markup-compatibility/2006">
-        <mc:Choice xmlns:a14="http://schemas.microsoft.com/office/drawing/2010/main" Requires="a14">
+      <mc:AlternateContent xmlns:mc="http://schemas.openxmlformats.org/markup-compatibility/2006" xmlns:a14="http://schemas.microsoft.com/office/drawing/2010/main">
+        <mc:Choice Requires="a14">
           <p:sp>
             <p:nvSpPr>
               <p:cNvPr id="6" name="TextBox 5"/>
@@ -12219,7 +13718,7 @@
             </p:txBody>
           </p:sp>
         </mc:Choice>
-        <mc:Fallback>
+        <mc:Fallback xmlns="">
           <p:sp>
             <p:nvSpPr>
               <p:cNvPr id="6" name="TextBox 5"/>
@@ -12625,8 +14124,8 @@
             </a:p>
           </p:txBody>
         </p:sp>
-        <mc:AlternateContent xmlns:mc="http://schemas.openxmlformats.org/markup-compatibility/2006">
-          <mc:Choice xmlns:a14="http://schemas.microsoft.com/office/drawing/2010/main" Requires="a14">
+        <mc:AlternateContent xmlns:mc="http://schemas.openxmlformats.org/markup-compatibility/2006" xmlns:a14="http://schemas.microsoft.com/office/drawing/2010/main">
+          <mc:Choice Requires="a14">
             <p:sp>
               <p:nvSpPr>
                 <p:cNvPr id="20" name="TextBox 19"/>
@@ -12671,7 +14170,7 @@
               </p:txBody>
             </p:sp>
           </mc:Choice>
-          <mc:Fallback>
+          <mc:Fallback xmlns="">
             <p:sp>
               <p:nvSpPr>
                 <p:cNvPr id="20" name="TextBox 19"/>
@@ -12710,8 +14209,8 @@
             </p:sp>
           </mc:Fallback>
         </mc:AlternateContent>
-        <mc:AlternateContent xmlns:mc="http://schemas.openxmlformats.org/markup-compatibility/2006">
-          <mc:Choice xmlns:a14="http://schemas.microsoft.com/office/drawing/2010/main" Requires="a14">
+        <mc:AlternateContent xmlns:mc="http://schemas.openxmlformats.org/markup-compatibility/2006" xmlns:a14="http://schemas.microsoft.com/office/drawing/2010/main">
+          <mc:Choice Requires="a14">
             <p:sp>
               <p:nvSpPr>
                 <p:cNvPr id="21" name="TextBox 20"/>
@@ -12756,7 +14255,7 @@
               </p:txBody>
             </p:sp>
           </mc:Choice>
-          <mc:Fallback>
+          <mc:Fallback xmlns="">
             <p:sp>
               <p:nvSpPr>
                 <p:cNvPr id="21" name="TextBox 20"/>
@@ -13474,4 +14973,289 @@
   <a:objectDefaults/>
   <a:extraClrSchemeLst/>
 </a:theme>
+</file>
+
+<file path=ppt/theme/theme2.xml><?xml version="1.0" encoding="utf-8"?>
+<a:theme xmlns:a="http://schemas.openxmlformats.org/drawingml/2006/main" name="Office Theme">
+  <a:themeElements>
+    <a:clrScheme name="Office">
+      <a:dk1>
+        <a:sysClr val="windowText" lastClr="000000"/>
+      </a:dk1>
+      <a:lt1>
+        <a:sysClr val="window" lastClr="FFFFFF"/>
+      </a:lt1>
+      <a:dk2>
+        <a:srgbClr val="1F497D"/>
+      </a:dk2>
+      <a:lt2>
+        <a:srgbClr val="EEECE1"/>
+      </a:lt2>
+      <a:accent1>
+        <a:srgbClr val="4F81BD"/>
+      </a:accent1>
+      <a:accent2>
+        <a:srgbClr val="C0504D"/>
+      </a:accent2>
+      <a:accent3>
+        <a:srgbClr val="9BBB59"/>
+      </a:accent3>
+      <a:accent4>
+        <a:srgbClr val="8064A2"/>
+      </a:accent4>
+      <a:accent5>
+        <a:srgbClr val="4BACC6"/>
+      </a:accent5>
+      <a:accent6>
+        <a:srgbClr val="F79646"/>
+      </a:accent6>
+      <a:hlink>
+        <a:srgbClr val="0000FF"/>
+      </a:hlink>
+      <a:folHlink>
+        <a:srgbClr val="800080"/>
+      </a:folHlink>
+    </a:clrScheme>
+    <a:fontScheme name="Office">
+      <a:majorFont>
+        <a:latin typeface="Calibri"/>
+        <a:ea typeface=""/>
+        <a:cs typeface=""/>
+        <a:font script="Jpan" typeface="ＭＳ Ｐゴシック"/>
+        <a:font script="Hang" typeface="맑은 고딕"/>
+        <a:font script="Hans" typeface="宋体"/>
+        <a:font script="Hant" typeface="新細明體"/>
+        <a:font script="Arab" typeface="Times New Roman"/>
+        <a:font script="Hebr" typeface="Times New Roman"/>
+        <a:font script="Thai" typeface="Angsana New"/>
+        <a:font script="Ethi" typeface="Nyala"/>
+        <a:font script="Beng" typeface="Vrinda"/>
+        <a:font script="Gujr" typeface="Shruti"/>
+        <a:font script="Khmr" typeface="MoolBoran"/>
+        <a:font script="Knda" typeface="Tunga"/>
+        <a:font script="Guru" typeface="Raavi"/>
+        <a:font script="Cans" typeface="Euphemia"/>
+        <a:font script="Cher" typeface="Plantagenet Cherokee"/>
+        <a:font script="Yiii" typeface="Microsoft Yi Baiti"/>
+        <a:font script="Tibt" typeface="Microsoft Himalaya"/>
+        <a:font script="Thaa" typeface="MV Boli"/>
+        <a:font script="Deva" typeface="Mangal"/>
+        <a:font script="Telu" typeface="Gautami"/>
+        <a:font script="Taml" typeface="Latha"/>
+        <a:font script="Syrc" typeface="Estrangelo Edessa"/>
+        <a:font script="Orya" typeface="Kalinga"/>
+        <a:font script="Mlym" typeface="Kartika"/>
+        <a:font script="Laoo" typeface="DokChampa"/>
+        <a:font script="Sinh" typeface="Iskoola Pota"/>
+        <a:font script="Mong" typeface="Mongolian Baiti"/>
+        <a:font script="Viet" typeface="Times New Roman"/>
+        <a:font script="Uigh" typeface="Microsoft Uighur"/>
+        <a:font script="Geor" typeface="Sylfaen"/>
+      </a:majorFont>
+      <a:minorFont>
+        <a:latin typeface="Calibri"/>
+        <a:ea typeface=""/>
+        <a:cs typeface=""/>
+        <a:font script="Jpan" typeface="ＭＳ Ｐゴシック"/>
+        <a:font script="Hang" typeface="맑은 고딕"/>
+        <a:font script="Hans" typeface="宋体"/>
+        <a:font script="Hant" typeface="新細明體"/>
+        <a:font script="Arab" typeface="Arial"/>
+        <a:font script="Hebr" typeface="Arial"/>
+        <a:font script="Thai" typeface="Cordia New"/>
+        <a:font script="Ethi" typeface="Nyala"/>
+        <a:font script="Beng" typeface="Vrinda"/>
+        <a:font script="Gujr" typeface="Shruti"/>
+        <a:font script="Khmr" typeface="DaunPenh"/>
+        <a:font script="Knda" typeface="Tunga"/>
+        <a:font script="Guru" typeface="Raavi"/>
+        <a:font script="Cans" typeface="Euphemia"/>
+        <a:font script="Cher" typeface="Plantagenet Cherokee"/>
+        <a:font script="Yiii" typeface="Microsoft Yi Baiti"/>
+        <a:font script="Tibt" typeface="Microsoft Himalaya"/>
+        <a:font script="Thaa" typeface="MV Boli"/>
+        <a:font script="Deva" typeface="Mangal"/>
+        <a:font script="Telu" typeface="Gautami"/>
+        <a:font script="Taml" typeface="Latha"/>
+        <a:font script="Syrc" typeface="Estrangelo Edessa"/>
+        <a:font script="Orya" typeface="Kalinga"/>
+        <a:font script="Mlym" typeface="Kartika"/>
+        <a:font script="Laoo" typeface="DokChampa"/>
+        <a:font script="Sinh" typeface="Iskoola Pota"/>
+        <a:font script="Mong" typeface="Mongolian Baiti"/>
+        <a:font script="Viet" typeface="Arial"/>
+        <a:font script="Uigh" typeface="Microsoft Uighur"/>
+        <a:font script="Geor" typeface="Sylfaen"/>
+      </a:minorFont>
+    </a:fontScheme>
+    <a:fmtScheme name="Office">
+      <a:fillStyleLst>
+        <a:solidFill>
+          <a:schemeClr val="phClr"/>
+        </a:solidFill>
+        <a:gradFill rotWithShape="1">
+          <a:gsLst>
+            <a:gs pos="0">
+              <a:schemeClr val="phClr">
+                <a:tint val="50000"/>
+                <a:satMod val="300000"/>
+              </a:schemeClr>
+            </a:gs>
+            <a:gs pos="35000">
+              <a:schemeClr val="phClr">
+                <a:tint val="37000"/>
+                <a:satMod val="300000"/>
+              </a:schemeClr>
+            </a:gs>
+            <a:gs pos="100000">
+              <a:schemeClr val="phClr">
+                <a:tint val="15000"/>
+                <a:satMod val="350000"/>
+              </a:schemeClr>
+            </a:gs>
+          </a:gsLst>
+          <a:lin ang="16200000" scaled="1"/>
+        </a:gradFill>
+        <a:gradFill rotWithShape="1">
+          <a:gsLst>
+            <a:gs pos="0">
+              <a:schemeClr val="phClr">
+                <a:shade val="51000"/>
+                <a:satMod val="130000"/>
+              </a:schemeClr>
+            </a:gs>
+            <a:gs pos="80000">
+              <a:schemeClr val="phClr">
+                <a:shade val="93000"/>
+                <a:satMod val="130000"/>
+              </a:schemeClr>
+            </a:gs>
+            <a:gs pos="100000">
+              <a:schemeClr val="phClr">
+                <a:shade val="94000"/>
+                <a:satMod val="135000"/>
+              </a:schemeClr>
+            </a:gs>
+          </a:gsLst>
+          <a:lin ang="16200000" scaled="0"/>
+        </a:gradFill>
+      </a:fillStyleLst>
+      <a:lnStyleLst>
+        <a:ln w="9525" cap="flat" cmpd="sng" algn="ctr">
+          <a:solidFill>
+            <a:schemeClr val="phClr">
+              <a:shade val="95000"/>
+              <a:satMod val="105000"/>
+            </a:schemeClr>
+          </a:solidFill>
+          <a:prstDash val="solid"/>
+        </a:ln>
+        <a:ln w="25400" cap="flat" cmpd="sng" algn="ctr">
+          <a:solidFill>
+            <a:schemeClr val="phClr"/>
+          </a:solidFill>
+          <a:prstDash val="solid"/>
+        </a:ln>
+        <a:ln w="38100" cap="flat" cmpd="sng" algn="ctr">
+          <a:solidFill>
+            <a:schemeClr val="phClr"/>
+          </a:solidFill>
+          <a:prstDash val="solid"/>
+        </a:ln>
+      </a:lnStyleLst>
+      <a:effectStyleLst>
+        <a:effectStyle>
+          <a:effectLst>
+            <a:outerShdw blurRad="40000" dist="20000" dir="5400000" rotWithShape="0">
+              <a:srgbClr val="000000">
+                <a:alpha val="38000"/>
+              </a:srgbClr>
+            </a:outerShdw>
+          </a:effectLst>
+        </a:effectStyle>
+        <a:effectStyle>
+          <a:effectLst>
+            <a:outerShdw blurRad="40000" dist="23000" dir="5400000" rotWithShape="0">
+              <a:srgbClr val="000000">
+                <a:alpha val="35000"/>
+              </a:srgbClr>
+            </a:outerShdw>
+          </a:effectLst>
+        </a:effectStyle>
+        <a:effectStyle>
+          <a:effectLst>
+            <a:outerShdw blurRad="40000" dist="23000" dir="5400000" rotWithShape="0">
+              <a:srgbClr val="000000">
+                <a:alpha val="35000"/>
+              </a:srgbClr>
+            </a:outerShdw>
+          </a:effectLst>
+          <a:scene3d>
+            <a:camera prst="orthographicFront">
+              <a:rot lat="0" lon="0" rev="0"/>
+            </a:camera>
+            <a:lightRig rig="threePt" dir="t">
+              <a:rot lat="0" lon="0" rev="1200000"/>
+            </a:lightRig>
+          </a:scene3d>
+          <a:sp3d>
+            <a:bevelT w="63500" h="25400"/>
+          </a:sp3d>
+        </a:effectStyle>
+      </a:effectStyleLst>
+      <a:bgFillStyleLst>
+        <a:solidFill>
+          <a:schemeClr val="phClr"/>
+        </a:solidFill>
+        <a:gradFill rotWithShape="1">
+          <a:gsLst>
+            <a:gs pos="0">
+              <a:schemeClr val="phClr">
+                <a:tint val="40000"/>
+                <a:satMod val="350000"/>
+              </a:schemeClr>
+            </a:gs>
+            <a:gs pos="40000">
+              <a:schemeClr val="phClr">
+                <a:tint val="45000"/>
+                <a:shade val="99000"/>
+                <a:satMod val="350000"/>
+              </a:schemeClr>
+            </a:gs>
+            <a:gs pos="100000">
+              <a:schemeClr val="phClr">
+                <a:shade val="20000"/>
+                <a:satMod val="255000"/>
+              </a:schemeClr>
+            </a:gs>
+          </a:gsLst>
+          <a:path path="circle">
+            <a:fillToRect l="50000" t="-80000" r="50000" b="180000"/>
+          </a:path>
+        </a:gradFill>
+        <a:gradFill rotWithShape="1">
+          <a:gsLst>
+            <a:gs pos="0">
+              <a:schemeClr val="phClr">
+                <a:tint val="80000"/>
+                <a:satMod val="300000"/>
+              </a:schemeClr>
+            </a:gs>
+            <a:gs pos="100000">
+              <a:schemeClr val="phClr">
+                <a:shade val="30000"/>
+                <a:satMod val="200000"/>
+              </a:schemeClr>
+            </a:gs>
+          </a:gsLst>
+          <a:path path="circle">
+            <a:fillToRect l="50000" t="50000" r="50000" b="50000"/>
+          </a:path>
+        </a:gradFill>
+      </a:bgFillStyleLst>
+    </a:fmtScheme>
+  </a:themeElements>
+  <a:objectDefaults/>
+  <a:extraClrSchemeLst/>
+</a:theme>
 </file>